--- a/Diploma.pptx
+++ b/Diploma.pptx
@@ -5,31 +5,36 @@
     <p:sldMasterId id="2147483708" r:id="rId1"/>
   </p:sldMasterIdLst>
   <p:notesMasterIdLst>
-    <p:notesMasterId r:id="rId24"/>
+    <p:notesMasterId r:id="rId29"/>
   </p:notesMasterIdLst>
   <p:sldIdLst>
     <p:sldId id="256" r:id="rId2"/>
     <p:sldId id="257" r:id="rId3"/>
-    <p:sldId id="258" r:id="rId4"/>
-    <p:sldId id="259" r:id="rId5"/>
-    <p:sldId id="260" r:id="rId6"/>
-    <p:sldId id="261" r:id="rId7"/>
-    <p:sldId id="262" r:id="rId8"/>
-    <p:sldId id="263" r:id="rId9"/>
-    <p:sldId id="264" r:id="rId10"/>
-    <p:sldId id="265" r:id="rId11"/>
-    <p:sldId id="266" r:id="rId12"/>
-    <p:sldId id="267" r:id="rId13"/>
-    <p:sldId id="268" r:id="rId14"/>
-    <p:sldId id="275" r:id="rId15"/>
-    <p:sldId id="277" r:id="rId16"/>
-    <p:sldId id="269" r:id="rId17"/>
-    <p:sldId id="278" r:id="rId18"/>
-    <p:sldId id="270" r:id="rId19"/>
-    <p:sldId id="279" r:id="rId20"/>
-    <p:sldId id="271" r:id="rId21"/>
-    <p:sldId id="272" r:id="rId22"/>
-    <p:sldId id="274" r:id="rId23"/>
+    <p:sldId id="280" r:id="rId4"/>
+    <p:sldId id="258" r:id="rId5"/>
+    <p:sldId id="259" r:id="rId6"/>
+    <p:sldId id="260" r:id="rId7"/>
+    <p:sldId id="261" r:id="rId8"/>
+    <p:sldId id="262" r:id="rId9"/>
+    <p:sldId id="263" r:id="rId10"/>
+    <p:sldId id="264" r:id="rId11"/>
+    <p:sldId id="281" r:id="rId12"/>
+    <p:sldId id="265" r:id="rId13"/>
+    <p:sldId id="266" r:id="rId14"/>
+    <p:sldId id="267" r:id="rId15"/>
+    <p:sldId id="268" r:id="rId16"/>
+    <p:sldId id="275" r:id="rId17"/>
+    <p:sldId id="282" r:id="rId18"/>
+    <p:sldId id="283" r:id="rId19"/>
+    <p:sldId id="277" r:id="rId20"/>
+    <p:sldId id="269" r:id="rId21"/>
+    <p:sldId id="278" r:id="rId22"/>
+    <p:sldId id="270" r:id="rId23"/>
+    <p:sldId id="279" r:id="rId24"/>
+    <p:sldId id="271" r:id="rId25"/>
+    <p:sldId id="272" r:id="rId26"/>
+    <p:sldId id="284" r:id="rId27"/>
+    <p:sldId id="274" r:id="rId28"/>
   </p:sldIdLst>
   <p:sldSz cx="9144000" cy="6858000" type="screen4x3"/>
   <p:notesSz cx="6858000" cy="9144000"/>
@@ -128,6 +133,22 @@
       </a:defRPr>
     </a:lvl9pPr>
   </p:defaultTextStyle>
+  <p:extLst>
+    <p:ext uri="{EFAFB233-063F-42B5-8137-9DF3F51BA10A}">
+      <p15:sldGuideLst xmlns:p15="http://schemas.microsoft.com/office/powerpoint/2012/main">
+        <p15:guide id="1" orient="horz" pos="2160">
+          <p15:clr>
+            <a:srgbClr val="A4A3A4"/>
+          </p15:clr>
+        </p15:guide>
+        <p15:guide id="2" pos="2880">
+          <p15:clr>
+            <a:srgbClr val="A4A3A4"/>
+          </p15:clr>
+        </p15:guide>
+      </p15:sldGuideLst>
+    </p:ext>
+  </p:extLst>
 </p:presentation>
 </file>
 
@@ -213,7 +234,7 @@
           <a:p>
             <a:fld id="{DC0B8FE5-3809-4277-AF2B-8784DBC000AA}" type="datetimeFigureOut">
               <a:rPr lang="en-US" smtClean="0"/>
-              <a:t>12/24/2017</a:t>
+              <a:t>2/6/2018</a:t>
             </a:fld>
             <a:endParaRPr lang="en-US"/>
           </a:p>
@@ -277,35 +298,35 @@
           <a:p>
             <a:pPr lvl="0"/>
             <a:r>
-              <a:rPr lang="ru-RU" smtClean="0"/>
+              <a:rPr lang="ru-RU"/>
               <a:t>Образец текста</a:t>
             </a:r>
           </a:p>
           <a:p>
             <a:pPr lvl="1"/>
             <a:r>
-              <a:rPr lang="ru-RU" smtClean="0"/>
+              <a:rPr lang="ru-RU"/>
               <a:t>Второй уровень</a:t>
             </a:r>
           </a:p>
           <a:p>
             <a:pPr lvl="2"/>
             <a:r>
-              <a:rPr lang="ru-RU" smtClean="0"/>
+              <a:rPr lang="ru-RU"/>
               <a:t>Третий уровень</a:t>
             </a:r>
           </a:p>
           <a:p>
             <a:pPr lvl="3"/>
             <a:r>
-              <a:rPr lang="ru-RU" smtClean="0"/>
+              <a:rPr lang="ru-RU"/>
               <a:t>Четвертый уровень</a:t>
             </a:r>
           </a:p>
           <a:p>
             <a:pPr lvl="4"/>
             <a:r>
-              <a:rPr lang="ru-RU" smtClean="0"/>
+              <a:rPr lang="ru-RU"/>
               <a:t>Пятый уровень</a:t>
             </a:r>
             <a:endParaRPr lang="en-US"/>
@@ -532,7 +553,7 @@
           </a:lstStyle>
           <a:p>
             <a:r>
-              <a:rPr lang="ru-RU" smtClean="0"/>
+              <a:rPr lang="ru-RU"/>
               <a:t>Образец заголовка</a:t>
             </a:r>
             <a:endParaRPr lang="en-US" dirty="0"/>
@@ -650,7 +671,7 @@
           </a:lstStyle>
           <a:p>
             <a:r>
-              <a:rPr lang="ru-RU" smtClean="0"/>
+              <a:rPr lang="ru-RU"/>
               <a:t>Образец подзаголовка</a:t>
             </a:r>
             <a:endParaRPr lang="en-US" dirty="0"/>
@@ -674,7 +695,7 @@
           <a:p>
             <a:fld id="{9616E58A-1502-49A9-81BD-C67CE2D6112C}" type="datetimeFigureOut">
               <a:rPr lang="en-US" smtClean="0"/>
-              <a:t>12/24/2017</a:t>
+              <a:t>2/6/2018</a:t>
             </a:fld>
             <a:endParaRPr lang="en-US"/>
           </a:p>
@@ -863,7 +884,7 @@
           <a:lstStyle/>
           <a:p>
             <a:r>
-              <a:rPr lang="ru-RU" smtClean="0"/>
+              <a:rPr lang="ru-RU"/>
               <a:t>Образец заголовка</a:t>
             </a:r>
             <a:endParaRPr lang="en-US"/>
@@ -887,35 +908,35 @@
           <a:p>
             <a:pPr lvl="0"/>
             <a:r>
-              <a:rPr lang="ru-RU" smtClean="0"/>
+              <a:rPr lang="ru-RU"/>
               <a:t>Образец текста</a:t>
             </a:r>
           </a:p>
           <a:p>
             <a:pPr lvl="1"/>
             <a:r>
-              <a:rPr lang="ru-RU" smtClean="0"/>
+              <a:rPr lang="ru-RU"/>
               <a:t>Второй уровень</a:t>
             </a:r>
           </a:p>
           <a:p>
             <a:pPr lvl="2"/>
             <a:r>
-              <a:rPr lang="ru-RU" smtClean="0"/>
+              <a:rPr lang="ru-RU"/>
               <a:t>Третий уровень</a:t>
             </a:r>
           </a:p>
           <a:p>
             <a:pPr lvl="3"/>
             <a:r>
-              <a:rPr lang="ru-RU" smtClean="0"/>
+              <a:rPr lang="ru-RU"/>
               <a:t>Четвертый уровень</a:t>
             </a:r>
           </a:p>
           <a:p>
             <a:pPr lvl="4"/>
             <a:r>
-              <a:rPr lang="ru-RU" smtClean="0"/>
+              <a:rPr lang="ru-RU"/>
               <a:t>Пятый уровень</a:t>
             </a:r>
             <a:endParaRPr lang="en-US"/>
@@ -939,7 +960,7 @@
           <a:p>
             <a:fld id="{9616E58A-1502-49A9-81BD-C67CE2D6112C}" type="datetimeFigureOut">
               <a:rPr lang="en-US" smtClean="0"/>
-              <a:t>12/24/2017</a:t>
+              <a:t>2/6/2018</a:t>
             </a:fld>
             <a:endParaRPr lang="en-US"/>
           </a:p>
@@ -1033,7 +1054,7 @@
           <a:lstStyle/>
           <a:p>
             <a:r>
-              <a:rPr lang="ru-RU" smtClean="0"/>
+              <a:rPr lang="ru-RU"/>
               <a:t>Образец заголовка</a:t>
             </a:r>
             <a:endParaRPr lang="en-US"/>
@@ -1062,35 +1083,35 @@
           <a:p>
             <a:pPr lvl="0"/>
             <a:r>
-              <a:rPr lang="ru-RU" smtClean="0"/>
+              <a:rPr lang="ru-RU"/>
               <a:t>Образец текста</a:t>
             </a:r>
           </a:p>
           <a:p>
             <a:pPr lvl="1"/>
             <a:r>
-              <a:rPr lang="ru-RU" smtClean="0"/>
+              <a:rPr lang="ru-RU"/>
               <a:t>Второй уровень</a:t>
             </a:r>
           </a:p>
           <a:p>
             <a:pPr lvl="2"/>
             <a:r>
-              <a:rPr lang="ru-RU" smtClean="0"/>
+              <a:rPr lang="ru-RU"/>
               <a:t>Третий уровень</a:t>
             </a:r>
           </a:p>
           <a:p>
             <a:pPr lvl="3"/>
             <a:r>
-              <a:rPr lang="ru-RU" smtClean="0"/>
+              <a:rPr lang="ru-RU"/>
               <a:t>Четвертый уровень</a:t>
             </a:r>
           </a:p>
           <a:p>
             <a:pPr lvl="4"/>
             <a:r>
-              <a:rPr lang="ru-RU" smtClean="0"/>
+              <a:rPr lang="ru-RU"/>
               <a:t>Пятый уровень</a:t>
             </a:r>
             <a:endParaRPr lang="en-US"/>
@@ -1114,7 +1135,7 @@
           <a:p>
             <a:fld id="{9616E58A-1502-49A9-81BD-C67CE2D6112C}" type="datetimeFigureOut">
               <a:rPr lang="en-US" smtClean="0"/>
-              <a:t>12/24/2017</a:t>
+              <a:t>2/6/2018</a:t>
             </a:fld>
             <a:endParaRPr lang="en-US"/>
           </a:p>
@@ -1203,7 +1224,7 @@
           <a:lstStyle/>
           <a:p>
             <a:r>
-              <a:rPr lang="ru-RU" smtClean="0"/>
+              <a:rPr lang="ru-RU"/>
               <a:t>Образец заголовка</a:t>
             </a:r>
             <a:endParaRPr lang="en-US"/>
@@ -1227,35 +1248,35 @@
           <a:p>
             <a:pPr lvl="0"/>
             <a:r>
-              <a:rPr lang="ru-RU" smtClean="0"/>
+              <a:rPr lang="ru-RU"/>
               <a:t>Образец текста</a:t>
             </a:r>
           </a:p>
           <a:p>
             <a:pPr lvl="1"/>
             <a:r>
-              <a:rPr lang="ru-RU" smtClean="0"/>
+              <a:rPr lang="ru-RU"/>
               <a:t>Второй уровень</a:t>
             </a:r>
           </a:p>
           <a:p>
             <a:pPr lvl="2"/>
             <a:r>
-              <a:rPr lang="ru-RU" smtClean="0"/>
+              <a:rPr lang="ru-RU"/>
               <a:t>Третий уровень</a:t>
             </a:r>
           </a:p>
           <a:p>
             <a:pPr lvl="3"/>
             <a:r>
-              <a:rPr lang="ru-RU" smtClean="0"/>
+              <a:rPr lang="ru-RU"/>
               <a:t>Четвертый уровень</a:t>
             </a:r>
           </a:p>
           <a:p>
             <a:pPr lvl="4"/>
             <a:r>
-              <a:rPr lang="ru-RU" smtClean="0"/>
+              <a:rPr lang="ru-RU"/>
               <a:t>Пятый уровень</a:t>
             </a:r>
             <a:endParaRPr lang="en-US" dirty="0"/>
@@ -1279,7 +1300,7 @@
           <a:p>
             <a:fld id="{9616E58A-1502-49A9-81BD-C67CE2D6112C}" type="datetimeFigureOut">
               <a:rPr lang="en-US" smtClean="0"/>
-              <a:t>12/24/2017</a:t>
+              <a:t>2/6/2018</a:t>
             </a:fld>
             <a:endParaRPr lang="en-US"/>
           </a:p>
@@ -1386,7 +1407,7 @@
           </a:lstStyle>
           <a:p>
             <a:r>
-              <a:rPr lang="ru-RU" smtClean="0"/>
+              <a:rPr lang="ru-RU"/>
               <a:t>Образец заголовка</a:t>
             </a:r>
             <a:endParaRPr lang="en-US" dirty="0"/>
@@ -1505,7 +1526,7 @@
           <a:p>
             <a:pPr lvl="0"/>
             <a:r>
-              <a:rPr lang="ru-RU" smtClean="0"/>
+              <a:rPr lang="ru-RU"/>
               <a:t>Образец текста</a:t>
             </a:r>
           </a:p>
@@ -1528,7 +1549,7 @@
           <a:p>
             <a:fld id="{9616E58A-1502-49A9-81BD-C67CE2D6112C}" type="datetimeFigureOut">
               <a:rPr lang="en-US" smtClean="0"/>
-              <a:t>12/24/2017</a:t>
+              <a:t>2/6/2018</a:t>
             </a:fld>
             <a:endParaRPr lang="en-US"/>
           </a:p>
@@ -1617,7 +1638,7 @@
           <a:lstStyle/>
           <a:p>
             <a:r>
-              <a:rPr lang="ru-RU" smtClean="0"/>
+              <a:rPr lang="ru-RU"/>
               <a:t>Образец заголовка</a:t>
             </a:r>
             <a:endParaRPr lang="en-US"/>
@@ -1674,35 +1695,35 @@
           <a:p>
             <a:pPr lvl="0"/>
             <a:r>
-              <a:rPr lang="ru-RU" smtClean="0"/>
+              <a:rPr lang="ru-RU"/>
               <a:t>Образец текста</a:t>
             </a:r>
           </a:p>
           <a:p>
             <a:pPr lvl="1"/>
             <a:r>
-              <a:rPr lang="ru-RU" smtClean="0"/>
+              <a:rPr lang="ru-RU"/>
               <a:t>Второй уровень</a:t>
             </a:r>
           </a:p>
           <a:p>
             <a:pPr lvl="2"/>
             <a:r>
-              <a:rPr lang="ru-RU" smtClean="0"/>
+              <a:rPr lang="ru-RU"/>
               <a:t>Третий уровень</a:t>
             </a:r>
           </a:p>
           <a:p>
             <a:pPr lvl="3"/>
             <a:r>
-              <a:rPr lang="ru-RU" smtClean="0"/>
+              <a:rPr lang="ru-RU"/>
               <a:t>Четвертый уровень</a:t>
             </a:r>
           </a:p>
           <a:p>
             <a:pPr lvl="4"/>
             <a:r>
-              <a:rPr lang="ru-RU" smtClean="0"/>
+              <a:rPr lang="ru-RU"/>
               <a:t>Пятый уровень</a:t>
             </a:r>
             <a:endParaRPr lang="en-US" dirty="0"/>
@@ -1759,35 +1780,35 @@
           <a:p>
             <a:pPr lvl="0"/>
             <a:r>
-              <a:rPr lang="ru-RU" smtClean="0"/>
+              <a:rPr lang="ru-RU"/>
               <a:t>Образец текста</a:t>
             </a:r>
           </a:p>
           <a:p>
             <a:pPr lvl="1"/>
             <a:r>
-              <a:rPr lang="ru-RU" smtClean="0"/>
+              <a:rPr lang="ru-RU"/>
               <a:t>Второй уровень</a:t>
             </a:r>
           </a:p>
           <a:p>
             <a:pPr lvl="2"/>
             <a:r>
-              <a:rPr lang="ru-RU" smtClean="0"/>
+              <a:rPr lang="ru-RU"/>
               <a:t>Третий уровень</a:t>
             </a:r>
           </a:p>
           <a:p>
             <a:pPr lvl="3"/>
             <a:r>
-              <a:rPr lang="ru-RU" smtClean="0"/>
+              <a:rPr lang="ru-RU"/>
               <a:t>Четвертый уровень</a:t>
             </a:r>
           </a:p>
           <a:p>
             <a:pPr lvl="4"/>
             <a:r>
-              <a:rPr lang="ru-RU" smtClean="0"/>
+              <a:rPr lang="ru-RU"/>
               <a:t>Пятый уровень</a:t>
             </a:r>
             <a:endParaRPr lang="en-US" dirty="0"/>
@@ -1811,7 +1832,7 @@
           <a:p>
             <a:fld id="{9616E58A-1502-49A9-81BD-C67CE2D6112C}" type="datetimeFigureOut">
               <a:rPr lang="en-US" smtClean="0"/>
-              <a:t>12/24/2017</a:t>
+              <a:t>2/6/2018</a:t>
             </a:fld>
             <a:endParaRPr lang="en-US"/>
           </a:p>
@@ -1904,7 +1925,7 @@
           </a:lstStyle>
           <a:p>
             <a:r>
-              <a:rPr lang="ru-RU" smtClean="0"/>
+              <a:rPr lang="ru-RU"/>
               <a:t>Образец заголовка</a:t>
             </a:r>
             <a:endParaRPr lang="en-US"/>
@@ -1977,7 +1998,7 @@
           <a:p>
             <a:pPr lvl="0"/>
             <a:r>
-              <a:rPr lang="ru-RU" smtClean="0"/>
+              <a:rPr lang="ru-RU"/>
               <a:t>Образец текста</a:t>
             </a:r>
           </a:p>
@@ -2033,35 +2054,35 @@
           <a:p>
             <a:pPr lvl="0"/>
             <a:r>
-              <a:rPr lang="ru-RU" smtClean="0"/>
+              <a:rPr lang="ru-RU"/>
               <a:t>Образец текста</a:t>
             </a:r>
           </a:p>
           <a:p>
             <a:pPr lvl="1"/>
             <a:r>
-              <a:rPr lang="ru-RU" smtClean="0"/>
+              <a:rPr lang="ru-RU"/>
               <a:t>Второй уровень</a:t>
             </a:r>
           </a:p>
           <a:p>
             <a:pPr lvl="2"/>
             <a:r>
-              <a:rPr lang="ru-RU" smtClean="0"/>
+              <a:rPr lang="ru-RU"/>
               <a:t>Третий уровень</a:t>
             </a:r>
           </a:p>
           <a:p>
             <a:pPr lvl="3"/>
             <a:r>
-              <a:rPr lang="ru-RU" smtClean="0"/>
+              <a:rPr lang="ru-RU"/>
               <a:t>Четвертый уровень</a:t>
             </a:r>
           </a:p>
           <a:p>
             <a:pPr lvl="4"/>
             <a:r>
-              <a:rPr lang="ru-RU" smtClean="0"/>
+              <a:rPr lang="ru-RU"/>
               <a:t>Пятый уровень</a:t>
             </a:r>
             <a:endParaRPr lang="en-US" dirty="0"/>
@@ -2142,7 +2163,7 @@
               <a:buNone/>
             </a:pPr>
             <a:r>
-              <a:rPr lang="ru-RU" smtClean="0"/>
+              <a:rPr lang="ru-RU"/>
               <a:t>Образец текста</a:t>
             </a:r>
           </a:p>
@@ -2198,35 +2219,35 @@
           <a:p>
             <a:pPr lvl="0"/>
             <a:r>
-              <a:rPr lang="ru-RU" smtClean="0"/>
+              <a:rPr lang="ru-RU"/>
               <a:t>Образец текста</a:t>
             </a:r>
           </a:p>
           <a:p>
             <a:pPr lvl="1"/>
             <a:r>
-              <a:rPr lang="ru-RU" smtClean="0"/>
+              <a:rPr lang="ru-RU"/>
               <a:t>Второй уровень</a:t>
             </a:r>
           </a:p>
           <a:p>
             <a:pPr lvl="2"/>
             <a:r>
-              <a:rPr lang="ru-RU" smtClean="0"/>
+              <a:rPr lang="ru-RU"/>
               <a:t>Третий уровень</a:t>
             </a:r>
           </a:p>
           <a:p>
             <a:pPr lvl="3"/>
             <a:r>
-              <a:rPr lang="ru-RU" smtClean="0"/>
+              <a:rPr lang="ru-RU"/>
               <a:t>Четвертый уровень</a:t>
             </a:r>
           </a:p>
           <a:p>
             <a:pPr lvl="4"/>
             <a:r>
-              <a:rPr lang="ru-RU" smtClean="0"/>
+              <a:rPr lang="ru-RU"/>
               <a:t>Пятый уровень</a:t>
             </a:r>
             <a:endParaRPr lang="en-US" dirty="0"/>
@@ -2250,7 +2271,7 @@
           <a:p>
             <a:fld id="{9616E58A-1502-49A9-81BD-C67CE2D6112C}" type="datetimeFigureOut">
               <a:rPr lang="en-US" smtClean="0"/>
-              <a:t>12/24/2017</a:t>
+              <a:t>2/6/2018</a:t>
             </a:fld>
             <a:endParaRPr lang="en-US"/>
           </a:p>
@@ -2339,7 +2360,7 @@
           <a:lstStyle/>
           <a:p>
             <a:r>
-              <a:rPr lang="ru-RU" smtClean="0"/>
+              <a:rPr lang="ru-RU"/>
               <a:t>Образец заголовка</a:t>
             </a:r>
             <a:endParaRPr lang="en-US"/>
@@ -2363,7 +2384,7 @@
           <a:p>
             <a:fld id="{9616E58A-1502-49A9-81BD-C67CE2D6112C}" type="datetimeFigureOut">
               <a:rPr lang="en-US" smtClean="0"/>
-              <a:t>12/24/2017</a:t>
+              <a:t>2/6/2018</a:t>
             </a:fld>
             <a:endParaRPr lang="en-US"/>
           </a:p>
@@ -2453,7 +2474,7 @@
           <a:p>
             <a:fld id="{9616E58A-1502-49A9-81BD-C67CE2D6112C}" type="datetimeFigureOut">
               <a:rPr lang="en-US" smtClean="0"/>
-              <a:t>12/24/2017</a:t>
+              <a:t>2/6/2018</a:t>
             </a:fld>
             <a:endParaRPr lang="en-US"/>
           </a:p>
@@ -2576,35 +2597,35 @@
           <a:p>
             <a:pPr lvl="0"/>
             <a:r>
-              <a:rPr lang="ru-RU" smtClean="0"/>
+              <a:rPr lang="ru-RU"/>
               <a:t>Образец текста</a:t>
             </a:r>
           </a:p>
           <a:p>
             <a:pPr lvl="1"/>
             <a:r>
-              <a:rPr lang="ru-RU" smtClean="0"/>
+              <a:rPr lang="ru-RU"/>
               <a:t>Второй уровень</a:t>
             </a:r>
           </a:p>
           <a:p>
             <a:pPr lvl="2"/>
             <a:r>
-              <a:rPr lang="ru-RU" smtClean="0"/>
+              <a:rPr lang="ru-RU"/>
               <a:t>Третий уровень</a:t>
             </a:r>
           </a:p>
           <a:p>
             <a:pPr lvl="3"/>
             <a:r>
-              <a:rPr lang="ru-RU" smtClean="0"/>
+              <a:rPr lang="ru-RU"/>
               <a:t>Четвертый уровень</a:t>
             </a:r>
           </a:p>
           <a:p>
             <a:pPr lvl="4"/>
             <a:r>
-              <a:rPr lang="ru-RU" smtClean="0"/>
+              <a:rPr lang="ru-RU"/>
               <a:t>Пятый уровень</a:t>
             </a:r>
             <a:endParaRPr lang="en-US" dirty="0"/>
@@ -2672,7 +2693,7 @@
           <a:p>
             <a:pPr lvl="0"/>
             <a:r>
-              <a:rPr lang="ru-RU" smtClean="0"/>
+              <a:rPr lang="ru-RU"/>
               <a:t>Образец текста</a:t>
             </a:r>
           </a:p>
@@ -2695,7 +2716,7 @@
           <a:p>
             <a:fld id="{9616E58A-1502-49A9-81BD-C67CE2D6112C}" type="datetimeFigureOut">
               <a:rPr lang="en-US" smtClean="0"/>
-              <a:t>12/24/2017</a:t>
+              <a:t>2/6/2018</a:t>
             </a:fld>
             <a:endParaRPr lang="en-US"/>
           </a:p>
@@ -2759,7 +2780,7 @@
           <a:lstStyle/>
           <a:p>
             <a:r>
-              <a:rPr lang="ru-RU" smtClean="0"/>
+              <a:rPr lang="ru-RU"/>
               <a:t>Образец заголовка</a:t>
             </a:r>
             <a:endParaRPr lang="en-US"/>
@@ -2900,7 +2921,7 @@
           </a:lstStyle>
           <a:p>
             <a:r>
-              <a:rPr lang="ru-RU" smtClean="0"/>
+              <a:rPr lang="ru-RU"/>
               <a:t>Вставка рисунка</a:t>
             </a:r>
             <a:endParaRPr lang="en-US"/>
@@ -2966,7 +2987,7 @@
           <a:p>
             <a:pPr lvl="0"/>
             <a:r>
-              <a:rPr lang="ru-RU" smtClean="0"/>
+              <a:rPr lang="ru-RU"/>
               <a:t>Образец текста</a:t>
             </a:r>
           </a:p>
@@ -2989,7 +3010,7 @@
           <a:p>
             <a:fld id="{9616E58A-1502-49A9-81BD-C67CE2D6112C}" type="datetimeFigureOut">
               <a:rPr lang="en-US" smtClean="0"/>
-              <a:t>12/24/2017</a:t>
+              <a:t>2/6/2018</a:t>
             </a:fld>
             <a:endParaRPr lang="en-US"/>
           </a:p>
@@ -3072,7 +3093,7 @@
           </a:lstStyle>
           <a:p>
             <a:r>
-              <a:rPr lang="ru-RU" smtClean="0"/>
+              <a:rPr lang="ru-RU"/>
               <a:t>Образец заголовка</a:t>
             </a:r>
             <a:endParaRPr lang="en-US" dirty="0"/>
@@ -3181,7 +3202,7 @@
           <a:lstStyle/>
           <a:p>
             <a:r>
-              <a:rPr lang="ru-RU" smtClean="0"/>
+              <a:rPr lang="ru-RU"/>
               <a:t>Образец заголовка</a:t>
             </a:r>
             <a:endParaRPr lang="en-US" dirty="0"/>
@@ -3215,35 +3236,35 @@
           <a:p>
             <a:pPr lvl="0"/>
             <a:r>
-              <a:rPr lang="ru-RU" smtClean="0"/>
+              <a:rPr lang="ru-RU"/>
               <a:t>Образец текста</a:t>
             </a:r>
           </a:p>
           <a:p>
             <a:pPr lvl="1"/>
             <a:r>
-              <a:rPr lang="ru-RU" smtClean="0"/>
+              <a:rPr lang="ru-RU"/>
               <a:t>Второй уровень</a:t>
             </a:r>
           </a:p>
           <a:p>
             <a:pPr lvl="2"/>
             <a:r>
-              <a:rPr lang="ru-RU" smtClean="0"/>
+              <a:rPr lang="ru-RU"/>
               <a:t>Третий уровень</a:t>
             </a:r>
           </a:p>
           <a:p>
             <a:pPr lvl="3"/>
             <a:r>
-              <a:rPr lang="ru-RU" smtClean="0"/>
+              <a:rPr lang="ru-RU"/>
               <a:t>Четвертый уровень</a:t>
             </a:r>
           </a:p>
           <a:p>
             <a:pPr lvl="4"/>
             <a:r>
-              <a:rPr lang="ru-RU" smtClean="0"/>
+              <a:rPr lang="ru-RU"/>
               <a:t>Пятый уровень</a:t>
             </a:r>
             <a:endParaRPr lang="en-US" dirty="0"/>
@@ -3283,7 +3304,7 @@
           <a:p>
             <a:fld id="{9616E58A-1502-49A9-81BD-C67CE2D6112C}" type="datetimeFigureOut">
               <a:rPr lang="en-US" smtClean="0"/>
-              <a:t>12/24/2017</a:t>
+              <a:t>2/6/2018</a:t>
             </a:fld>
             <a:endParaRPr lang="en-US"/>
           </a:p>
@@ -3787,10 +3808,6 @@
               <a:rPr lang="ru-RU" sz="3600" b="1" i="1" dirty="0"/>
               <a:t>Разработка библиотеки генерации тестов для задач по информатике</a:t>
             </a:r>
-            <a:r>
-              <a:rPr lang="en-US" sz="3600" dirty="0"/>
-              <a:t/>
-            </a:r>
             <a:br>
               <a:rPr lang="en-US" sz="3600" dirty="0"/>
             </a:br>
@@ -3817,11 +3834,7 @@
           <a:p>
             <a:r>
               <a:rPr lang="ru-RU" b="1" dirty="0"/>
-              <a:t>Выполнил студент 4-ого курса: Оганесян </a:t>
-            </a:r>
-            <a:r>
-              <a:rPr lang="ru-RU" b="1" dirty="0" smtClean="0"/>
-              <a:t>Левон</a:t>
+              <a:t>Выполнил студент 4-ого курса: Оганесян Левон</a:t>
             </a:r>
             <a:endParaRPr lang="en-US" dirty="0"/>
           </a:p>
@@ -3862,13 +3875,6 @@
   <p:clrMapOvr>
     <a:masterClrMapping/>
   </p:clrMapOvr>
-  <p:timing>
-    <p:tnLst>
-      <p:par>
-        <p:cTn id="1" dur="indefinite" restart="never" nodeType="tmRoot"/>
-      </p:par>
-    </p:tnLst>
-  </p:timing>
 </p:sld>
 </file>
 
@@ -3907,21 +3913,20 @@
           <a:lstStyle/>
           <a:p>
             <a:r>
-              <a:rPr lang="ru-RU" sz="3200" dirty="0" smtClean="0"/>
+              <a:rPr lang="ru-RU" sz="3200" dirty="0"/>
               <a:t>Основные классы:</a:t>
-            </a:r>
-            <a:r>
-              <a:rPr lang="hy-AM" sz="3200" dirty="0"/>
-              <a:t/>
             </a:r>
             <a:br>
               <a:rPr lang="hy-AM" sz="3200" dirty="0"/>
             </a:br>
             <a:r>
-              <a:rPr lang="en-US" sz="3200" dirty="0" smtClean="0"/>
-              <a:t>Array</a:t>
-            </a:r>
-            <a:endParaRPr lang="en-US" sz="3200" dirty="0"/>
+              <a:rPr lang="en-US" sz="3200" dirty="0" err="1"/>
+              <a:t>primitivetest</a:t>
+            </a:r>
+            <a:r>
+              <a:rPr lang="en-US" sz="3200" dirty="0"/>
+              <a:t>&lt;T&gt;</a:t>
+            </a:r>
           </a:p>
         </p:txBody>
       </p:sp>
@@ -3937,47 +3942,113 @@
         </p:nvSpPr>
         <p:spPr/>
         <p:txBody>
-          <a:bodyPr>
-            <a:normAutofit/>
-          </a:bodyPr>
+          <a:bodyPr/>
           <a:lstStyle/>
           <a:p>
             <a:r>
-              <a:rPr lang="ru-RU" sz="2800" dirty="0" smtClean="0"/>
-              <a:t>Для создание массивов тестов нужно использовать класс </a:t>
-            </a:r>
-            <a:r>
-              <a:rPr lang="en-US" sz="2800" dirty="0" smtClean="0"/>
-              <a:t>Array. </a:t>
-            </a:r>
-            <a:endParaRPr lang="ru-RU" sz="2800" dirty="0" smtClean="0"/>
-          </a:p>
-          <a:p>
-            <a:r>
-              <a:rPr lang="ru-RU" sz="2800" dirty="0" smtClean="0"/>
-              <a:t>Поддерживается создание зависимых и независимых тестов. </a:t>
-            </a:r>
-            <a:endParaRPr lang="en-US" sz="2800" dirty="0"/>
+              <a:rPr lang="ru-RU" dirty="0"/>
+              <a:t>Описывает примитивные типы и является базовым классом  для </a:t>
+            </a:r>
+            <a:r>
+              <a:rPr lang="en-US" dirty="0" err="1"/>
+              <a:t>ConstPrimitiveTest</a:t>
+            </a:r>
+            <a:r>
+              <a:rPr lang="ru-RU" dirty="0"/>
+              <a:t>&lt;</a:t>
+            </a:r>
+            <a:r>
+              <a:rPr lang="en-US" dirty="0"/>
+              <a:t>T</a:t>
+            </a:r>
+            <a:r>
+              <a:rPr lang="ru-RU" dirty="0"/>
+              <a:t>&gt; и </a:t>
+            </a:r>
+            <a:r>
+              <a:rPr lang="en-US" dirty="0" err="1"/>
+              <a:t>RangePrimitiveTest</a:t>
+            </a:r>
+            <a:r>
+              <a:rPr lang="ru-RU" dirty="0"/>
+              <a:t>&lt;</a:t>
+            </a:r>
+            <a:r>
+              <a:rPr lang="en-US" dirty="0"/>
+              <a:t>T</a:t>
+            </a:r>
+            <a:r>
+              <a:rPr lang="ru-RU" dirty="0"/>
+              <a:t>&gt;. </a:t>
+            </a:r>
+          </a:p>
+          <a:p>
+            <a:endParaRPr lang="en-US" dirty="0"/>
+          </a:p>
+          <a:p>
+            <a:r>
+              <a:rPr lang="en-US" dirty="0" err="1"/>
+              <a:t>ConstPrimitiveTest</a:t>
+            </a:r>
+            <a:r>
+              <a:rPr lang="en-US" dirty="0"/>
+              <a:t> </a:t>
+            </a:r>
+            <a:r>
+              <a:rPr lang="hy-AM" dirty="0"/>
+              <a:t>&lt;</a:t>
+            </a:r>
+            <a:r>
+              <a:rPr lang="en-US" dirty="0"/>
+              <a:t>T</a:t>
+            </a:r>
+            <a:r>
+              <a:rPr lang="ru-RU" dirty="0"/>
+              <a:t>&gt; принимает один объект типа </a:t>
+            </a:r>
+            <a:r>
+              <a:rPr lang="en-US" dirty="0"/>
+              <a:t>T</a:t>
+            </a:r>
+            <a:r>
+              <a:rPr lang="ru-RU" dirty="0"/>
+              <a:t>. Используется для того, чтобы определять константные числа. </a:t>
+            </a:r>
+          </a:p>
+          <a:p>
+            <a:endParaRPr lang="ru-RU" dirty="0"/>
+          </a:p>
+          <a:p>
+            <a:r>
+              <a:rPr lang="en-US" dirty="0" err="1"/>
+              <a:t>RangePrimitiveTest</a:t>
+            </a:r>
+            <a:r>
+              <a:rPr lang="hy-AM" dirty="0"/>
+              <a:t> &lt;</a:t>
+            </a:r>
+            <a:r>
+              <a:rPr lang="en-US" dirty="0"/>
+              <a:t>T&gt; </a:t>
+            </a:r>
+            <a:r>
+              <a:rPr lang="ru-RU" dirty="0"/>
+              <a:t>принимает один диапазон. При этом можно получить довольно сложную структуру теста.</a:t>
+            </a:r>
+            <a:endParaRPr lang="en-US" dirty="0"/>
           </a:p>
         </p:txBody>
       </p:sp>
     </p:spTree>
     <p:extLst>
       <p:ext uri="{BB962C8B-B14F-4D97-AF65-F5344CB8AC3E}">
-        <p14:creationId xmlns:p14="http://schemas.microsoft.com/office/powerpoint/2010/main" val="1304986787"/>
+        <p14:creationId xmlns:p14="http://schemas.microsoft.com/office/powerpoint/2010/main" val="3625802255"/>
       </p:ext>
     </p:extLst>
   </p:cSld>
   <p:clrMapOvr>
     <a:masterClrMapping/>
   </p:clrMapOvr>
-  <p:timing>
-    <p:tnLst>
-      <p:par>
-        <p:cTn id="1" dur="indefinite" restart="never" nodeType="tmRoot"/>
-      </p:par>
-    </p:tnLst>
-  </p:timing>
 </p:sld>
 </file>
 
@@ -4008,99 +4079,153 @@
             <p:ph type="title"/>
           </p:nvPr>
         </p:nvSpPr>
-        <p:spPr/>
+        <p:spPr>
+          <a:xfrm>
+            <a:off x="457200" y="152718"/>
+            <a:ext cx="7315200" cy="1371600"/>
+          </a:xfrm>
+        </p:spPr>
         <p:txBody>
           <a:bodyPr>
-            <a:normAutofit/>
+            <a:normAutofit fontScale="90000"/>
           </a:bodyPr>
           <a:lstStyle/>
           <a:p>
             <a:r>
-              <a:rPr lang="ru-RU" sz="3200" dirty="0" smtClean="0"/>
-              <a:t>Основные классы:</a:t>
-            </a:r>
-            <a:r>
-              <a:rPr lang="hy-AM" sz="3200" dirty="0"/>
-              <a:t/>
+              <a:rPr lang="ru-RU" sz="3200" dirty="0"/>
+              <a:t>Зависимость и независимость переменных</a:t>
+            </a:r>
+            <a:endParaRPr lang="en-US" sz="3200" dirty="0"/>
+          </a:p>
+        </p:txBody>
+      </p:sp>
+      <p:sp>
+        <p:nvSpPr>
+          <p:cNvPr id="3" name="Объект 2"/>
+          <p:cNvSpPr>
+            <a:spLocks noGrp="1"/>
+          </p:cNvSpPr>
+          <p:nvPr>
+            <p:ph idx="1"/>
+          </p:nvPr>
+        </p:nvSpPr>
+        <p:spPr/>
+        <p:txBody>
+          <a:bodyPr/>
+          <a:lstStyle/>
+          <a:p>
+            <a:r>
+              <a:rPr lang="ru-RU" dirty="0"/>
+              <a:t>Назовем </a:t>
+            </a:r>
+            <a:r>
+              <a:rPr lang="ru-RU" i="1" dirty="0"/>
+              <a:t>зависимыми</a:t>
+            </a:r>
+            <a:r>
+              <a:rPr lang="ru-RU" dirty="0"/>
+              <a:t> тесты, в которых мы используем связь переменных. </a:t>
+            </a:r>
+          </a:p>
+          <a:p>
+            <a:r>
+              <a:rPr lang="ru-RU" dirty="0"/>
+              <a:t>Пример зависимых переменных:</a:t>
+            </a:r>
+          </a:p>
+          <a:p>
+            <a:pPr marL="800100" lvl="1" indent="-342900"/>
+            <a:r>
+              <a:rPr lang="en-US" b="0" dirty="0" err="1"/>
+              <a:t>PrimitiveTest</a:t>
+            </a:r>
+            <a:r>
+              <a:rPr lang="en-US" b="0" dirty="0"/>
+              <a:t>&lt;</a:t>
+            </a:r>
+            <a:r>
+              <a:rPr lang="en-US" b="0" dirty="0" err="1"/>
+              <a:t>int</a:t>
+            </a:r>
+            <a:r>
+              <a:rPr lang="en-US" b="0" dirty="0"/>
+              <a:t>&gt;* n1</a:t>
+            </a:r>
+            <a:r>
+              <a:rPr lang="ru-RU" b="0" dirty="0"/>
+              <a:t> =</a:t>
+            </a:r>
+            <a:r>
+              <a:rPr lang="hy-AM" b="0" dirty="0"/>
+              <a:t> </a:t>
+            </a:r>
+            <a:r>
+              <a:rPr lang="en-US" b="0" dirty="0" err="1"/>
+              <a:t>CreateElement</a:t>
+            </a:r>
+            <a:r>
+              <a:rPr lang="en-US" b="0" dirty="0"/>
+              <a:t>(1, 1000);</a:t>
             </a:r>
             <a:br>
-              <a:rPr lang="hy-AM" sz="3200" dirty="0"/>
+              <a:rPr lang="hy-AM" b="0" dirty="0"/>
             </a:br>
             <a:r>
-              <a:rPr lang="en-US" sz="3200" dirty="0" smtClean="0"/>
-              <a:t>Grammar</a:t>
-            </a:r>
-            <a:endParaRPr lang="en-US" sz="3200" dirty="0"/>
-          </a:p>
-        </p:txBody>
-      </p:sp>
-      <p:sp>
-        <p:nvSpPr>
-          <p:cNvPr id="3" name="Объект 2"/>
-          <p:cNvSpPr>
-            <a:spLocks noGrp="1"/>
-          </p:cNvSpPr>
-          <p:nvPr>
-            <p:ph idx="1"/>
-          </p:nvPr>
-        </p:nvSpPr>
-        <p:spPr/>
-        <p:txBody>
-          <a:bodyPr>
-            <a:normAutofit/>
-          </a:bodyPr>
-          <a:lstStyle/>
-          <a:p>
-            <a:r>
-              <a:rPr lang="ru-RU" sz="2400" dirty="0"/>
-              <a:t>Класс, представляющий контекстно-свободную грамматику</a:t>
-            </a:r>
-            <a:r>
-              <a:rPr lang="ru-RU" sz="2400" dirty="0" smtClean="0"/>
-              <a:t>. </a:t>
-            </a:r>
-            <a:r>
-              <a:rPr lang="ru-RU" sz="2400" dirty="0"/>
-              <a:t>Конструктор класса принимает 2 строки: первая это описание грамматики, вторая это набор правил</a:t>
-            </a:r>
-            <a:r>
-              <a:rPr lang="ru-RU" sz="2400" dirty="0" smtClean="0"/>
-              <a:t>. </a:t>
-            </a:r>
-          </a:p>
-          <a:p>
-            <a:r>
-              <a:rPr lang="ru-RU" sz="2400" dirty="0" smtClean="0"/>
-              <a:t>Можно </a:t>
-            </a:r>
-            <a:r>
-              <a:rPr lang="ru-RU" sz="2400" dirty="0"/>
-              <a:t>описать любую контекстно-свободную грамматику и по этой грамматике сгенерировать тесты. Все сгенерированные тесты будут словами из языка, порождённым этой грамматикой.</a:t>
+              <a:rPr lang="en-US" b="0" dirty="0" err="1"/>
+              <a:t>PrimitiveTest</a:t>
+            </a:r>
+            <a:r>
+              <a:rPr lang="en-US" b="0" dirty="0"/>
+              <a:t>&lt;</a:t>
+            </a:r>
+            <a:r>
+              <a:rPr lang="en-US" b="0" dirty="0" err="1"/>
+              <a:t>int</a:t>
+            </a:r>
+            <a:r>
+              <a:rPr lang="en-US" b="0" dirty="0"/>
+              <a:t>&gt;* n2 = </a:t>
+            </a:r>
+            <a:r>
+              <a:rPr lang="en-US" b="0" dirty="0" err="1"/>
+              <a:t>CreateElement</a:t>
+            </a:r>
+            <a:r>
+              <a:rPr lang="en-US" b="0" dirty="0"/>
+              <a:t>(n1, 1000);</a:t>
             </a:r>
             <a:br>
-              <a:rPr lang="ru-RU" sz="2400" dirty="0"/>
+              <a:rPr lang="hy-AM" b="0" dirty="0"/>
             </a:br>
-            <a:endParaRPr lang="en-US" sz="2400" dirty="0"/>
+            <a:endParaRPr lang="ru-RU" b="0" dirty="0"/>
+          </a:p>
+          <a:p>
+            <a:r>
+              <a:rPr lang="ru-RU" dirty="0"/>
+              <a:t>Назовем </a:t>
+            </a:r>
+            <a:r>
+              <a:rPr lang="ru-RU" i="1" dirty="0"/>
+              <a:t>независимыми</a:t>
+            </a:r>
+            <a:r>
+              <a:rPr lang="ru-RU" dirty="0"/>
+              <a:t> все остальные тесты. </a:t>
+            </a:r>
+            <a:endParaRPr lang="en-US" dirty="0"/>
           </a:p>
         </p:txBody>
       </p:sp>
     </p:spTree>
     <p:extLst>
       <p:ext uri="{BB962C8B-B14F-4D97-AF65-F5344CB8AC3E}">
-        <p14:creationId xmlns:p14="http://schemas.microsoft.com/office/powerpoint/2010/main" val="652762705"/>
+        <p14:creationId xmlns:p14="http://schemas.microsoft.com/office/powerpoint/2010/main" val="387009729"/>
       </p:ext>
     </p:extLst>
   </p:cSld>
   <p:clrMapOvr>
     <a:masterClrMapping/>
   </p:clrMapOvr>
-  <p:timing>
-    <p:tnLst>
-      <p:par>
-        <p:cTn id="1" dur="indefinite" restart="never" nodeType="tmRoot"/>
-      </p:par>
-    </p:tnLst>
-  </p:timing>
 </p:sld>
 </file>
 
@@ -4139,21 +4264,28 @@
           <a:lstStyle/>
           <a:p>
             <a:r>
-              <a:rPr lang="ru-RU" sz="3200" dirty="0" smtClean="0"/>
+              <a:rPr lang="ru-RU" sz="3200" dirty="0"/>
               <a:t>Основные классы:</a:t>
-            </a:r>
-            <a:r>
-              <a:rPr lang="hy-AM" sz="3200" dirty="0"/>
-              <a:t/>
             </a:r>
             <a:br>
               <a:rPr lang="hy-AM" sz="3200" dirty="0"/>
             </a:br>
             <a:r>
-              <a:rPr lang="en-US" sz="3200" dirty="0" smtClean="0"/>
-              <a:t>Regex</a:t>
-            </a:r>
-            <a:endParaRPr lang="en-US" sz="3200" dirty="0"/>
+              <a:rPr lang="en-US" sz="3200" dirty="0"/>
+              <a:t>Array</a:t>
+            </a:r>
+            <a:r>
+              <a:rPr lang="hy-AM" sz="3200" dirty="0"/>
+              <a:t> </a:t>
+            </a:r>
+            <a:r>
+              <a:rPr lang="ru-RU" sz="3200" dirty="0"/>
+              <a:t>и </a:t>
+            </a:r>
+            <a:r>
+              <a:rPr lang="en-US" sz="3200" dirty="0"/>
+              <a:t>matrix</a:t>
+            </a:r>
           </a:p>
         </p:txBody>
       </p:sp>
@@ -4175,58 +4307,41 @@
           <a:lstStyle/>
           <a:p>
             <a:r>
-              <a:rPr lang="ru-RU" dirty="0" smtClean="0"/>
-              <a:t>Класс, представляющий регулярные выражения. </a:t>
-            </a:r>
-          </a:p>
-          <a:p>
-            <a:r>
-              <a:rPr lang="ru-RU" dirty="0" smtClean="0"/>
-              <a:t>Регулярные </a:t>
-            </a:r>
-            <a:r>
-              <a:rPr lang="ru-RU" dirty="0"/>
-              <a:t>выражения, реализованные в данной работе, отличаются от классических регулярных выражений, реализованных в текстовых редакторах и языках программирования, потому что надо </a:t>
-            </a:r>
-            <a:r>
-              <a:rPr lang="ru-RU" i="1" dirty="0"/>
-              <a:t>генерировать </a:t>
-            </a:r>
-            <a:r>
-              <a:rPr lang="ru-RU" dirty="0"/>
-              <a:t>строки, а не искать и заменять. </a:t>
-            </a:r>
-            <a:r>
-              <a:rPr lang="en-US" dirty="0"/>
-              <a:t> </a:t>
-            </a:r>
-          </a:p>
-          <a:p>
-            <a:r>
-              <a:rPr lang="ru-RU" dirty="0"/>
-              <a:t>Конструктор класса принимает одну строку и одно необязательное целое число – максимальная глубина для операций * и +, которая по умолчанию является 1000. Строка же является именно регулярным выражением, по которому и нужно генерировать строки. </a:t>
-            </a:r>
-            <a:endParaRPr lang="en-US" dirty="0"/>
+              <a:rPr lang="ru-RU" sz="2800" dirty="0"/>
+              <a:t>Для создание массивов тестов нужно использовать класс </a:t>
+            </a:r>
+            <a:r>
+              <a:rPr lang="en-US" sz="2800" dirty="0"/>
+              <a:t>Array. </a:t>
+            </a:r>
+            <a:endParaRPr lang="ru-RU" sz="2800" dirty="0"/>
+          </a:p>
+          <a:p>
+            <a:r>
+              <a:rPr lang="ru-RU" sz="2800" dirty="0"/>
+              <a:t>Поддерживается создание зависимых и независимых тестов. </a:t>
+            </a:r>
+            <a:endParaRPr lang="en-US" sz="2800" dirty="0"/>
+          </a:p>
+          <a:p>
+            <a:r>
+              <a:rPr lang="ru-RU" sz="2800" dirty="0"/>
+              <a:t>Так же присутствует класс матриц, который имеет тот же интерфейс, что и массив.</a:t>
+            </a:r>
+            <a:endParaRPr lang="en-US" sz="2800" dirty="0"/>
           </a:p>
         </p:txBody>
       </p:sp>
     </p:spTree>
     <p:extLst>
       <p:ext uri="{BB962C8B-B14F-4D97-AF65-F5344CB8AC3E}">
-        <p14:creationId xmlns:p14="http://schemas.microsoft.com/office/powerpoint/2010/main" val="2681436947"/>
+        <p14:creationId xmlns:p14="http://schemas.microsoft.com/office/powerpoint/2010/main" val="1304986787"/>
       </p:ext>
     </p:extLst>
   </p:cSld>
   <p:clrMapOvr>
     <a:masterClrMapping/>
   </p:clrMapOvr>
-  <p:timing>
-    <p:tnLst>
-      <p:par>
-        <p:cTn id="1" dur="indefinite" restart="never" nodeType="tmRoot"/>
-      </p:par>
-    </p:tnLst>
-  </p:timing>
 </p:sld>
 </file>
 
@@ -4265,21 +4380,16 @@
           <a:lstStyle/>
           <a:p>
             <a:r>
-              <a:rPr lang="ru-RU" sz="3200" dirty="0" smtClean="0"/>
+              <a:rPr lang="ru-RU" sz="3200" dirty="0"/>
               <a:t>Основные классы:</a:t>
-            </a:r>
-            <a:r>
-              <a:rPr lang="hy-AM" sz="3200" dirty="0"/>
-              <a:t/>
             </a:r>
             <a:br>
               <a:rPr lang="hy-AM" sz="3200" dirty="0"/>
             </a:br>
             <a:r>
-              <a:rPr lang="en-US" sz="3200" dirty="0" smtClean="0"/>
-              <a:t>Graph</a:t>
-            </a:r>
-            <a:endParaRPr lang="en-US" sz="3200" dirty="0"/>
+              <a:rPr lang="en-US" sz="3200" dirty="0"/>
+              <a:t>Grammar</a:t>
+            </a:r>
           </a:p>
         </p:txBody>
       </p:sp>
@@ -4295,111 +4405,38 @@
         </p:nvSpPr>
         <p:spPr/>
         <p:txBody>
-          <a:bodyPr/>
+          <a:bodyPr>
+            <a:normAutofit/>
+          </a:bodyPr>
           <a:lstStyle/>
           <a:p>
             <a:r>
-              <a:rPr lang="ru-RU" dirty="0"/>
-              <a:t>К</a:t>
-            </a:r>
-            <a:r>
-              <a:rPr lang="ru-RU" dirty="0" smtClean="0"/>
-              <a:t>ласс </a:t>
-            </a:r>
-            <a:r>
-              <a:rPr lang="ru-RU" dirty="0"/>
-              <a:t>описывающий графы. </a:t>
-            </a:r>
-            <a:endParaRPr lang="ru-RU" dirty="0" smtClean="0"/>
-          </a:p>
-          <a:p>
-            <a:r>
-              <a:rPr lang="ru-RU" dirty="0" smtClean="0"/>
-              <a:t>Поддерживаются:</a:t>
-            </a:r>
-          </a:p>
-          <a:p>
-            <a:pPr marL="800100" lvl="1" indent="-342900"/>
-            <a:r>
-              <a:rPr lang="ru-RU" dirty="0" smtClean="0"/>
-              <a:t>Ориентированные</a:t>
-            </a:r>
-          </a:p>
-          <a:p>
-            <a:pPr marL="800100" lvl="1" indent="-342900"/>
-            <a:r>
-              <a:rPr lang="ru-RU" dirty="0" smtClean="0"/>
-              <a:t>Неориентированные</a:t>
-            </a:r>
-          </a:p>
-          <a:p>
-            <a:pPr marL="800100" lvl="1" indent="-342900"/>
-            <a:r>
-              <a:rPr lang="ru-RU" dirty="0" smtClean="0"/>
-              <a:t>Веса</a:t>
-            </a:r>
-          </a:p>
-          <a:p>
-            <a:pPr marL="800100" lvl="1" indent="-342900"/>
-            <a:r>
-              <a:rPr lang="ru-RU" dirty="0" smtClean="0"/>
-              <a:t>С </a:t>
-            </a:r>
-            <a:r>
-              <a:rPr lang="ru-RU" dirty="0"/>
-              <a:t>петлями и </a:t>
-            </a:r>
-            <a:r>
-              <a:rPr lang="ru-RU" dirty="0" smtClean="0"/>
-              <a:t>без</a:t>
-            </a:r>
-          </a:p>
-          <a:p>
-            <a:pPr marL="800100" lvl="1" indent="-342900"/>
-            <a:r>
-              <a:rPr lang="ru-RU" dirty="0"/>
-              <a:t>С</a:t>
-            </a:r>
-            <a:r>
-              <a:rPr lang="ru-RU" dirty="0" smtClean="0"/>
-              <a:t> </a:t>
-            </a:r>
-            <a:r>
-              <a:rPr lang="ru-RU" dirty="0"/>
-              <a:t>определённым методом вывода. </a:t>
-            </a:r>
-            <a:endParaRPr lang="ru-RU" dirty="0" smtClean="0"/>
-          </a:p>
-          <a:p>
-            <a:r>
-              <a:rPr lang="ru-RU" dirty="0"/>
-              <a:t>На данный момент методов вывода три: матрица смежности, список смежности и список ребер</a:t>
-            </a:r>
-            <a:r>
-              <a:rPr lang="ru-RU" dirty="0" smtClean="0"/>
-              <a:t>. Конструктор принимает количество вершин, количество ребер, веса.</a:t>
-            </a:r>
-            <a:endParaRPr lang="ru-RU" dirty="0"/>
+              <a:rPr lang="ru-RU" sz="2400" dirty="0"/>
+              <a:t>Класс, представляющий контекстно-свободную грамматику. Конструктор класса принимает 2 строки: первая это описание грамматики, вторая это набор правил. </a:t>
+            </a:r>
+          </a:p>
+          <a:p>
+            <a:r>
+              <a:rPr lang="ru-RU" sz="2400" dirty="0"/>
+              <a:t>Можно описать любую контекстно-свободную грамматику и по этой грамматике сгенерировать тесты. Все сгенерированные тесты будут словами из языка, порождённым этой грамматикой.</a:t>
+            </a:r>
+            <a:br>
+              <a:rPr lang="ru-RU" sz="2400" dirty="0"/>
+            </a:br>
+            <a:endParaRPr lang="en-US" sz="2400" dirty="0"/>
           </a:p>
         </p:txBody>
       </p:sp>
     </p:spTree>
     <p:extLst>
       <p:ext uri="{BB962C8B-B14F-4D97-AF65-F5344CB8AC3E}">
-        <p14:creationId xmlns:p14="http://schemas.microsoft.com/office/powerpoint/2010/main" val="284587204"/>
+        <p14:creationId xmlns:p14="http://schemas.microsoft.com/office/powerpoint/2010/main" val="652762705"/>
       </p:ext>
     </p:extLst>
   </p:cSld>
   <p:clrMapOvr>
     <a:masterClrMapping/>
   </p:clrMapOvr>
-  <p:timing>
-    <p:tnLst>
-      <p:par>
-        <p:cTn id="1" dur="indefinite" restart="never" nodeType="tmRoot"/>
-      </p:par>
-    </p:tnLst>
-  </p:timing>
 </p:sld>
 </file>
 
@@ -4438,21 +4475,16 @@
           <a:lstStyle/>
           <a:p>
             <a:r>
-              <a:rPr lang="ru-RU" sz="3200" dirty="0" smtClean="0"/>
+              <a:rPr lang="ru-RU" sz="3200" dirty="0"/>
               <a:t>Основные классы:</a:t>
-            </a:r>
-            <a:r>
-              <a:rPr lang="hy-AM" sz="3200" dirty="0"/>
-              <a:t/>
             </a:r>
             <a:br>
               <a:rPr lang="hy-AM" sz="3200" dirty="0"/>
             </a:br>
             <a:r>
-              <a:rPr lang="en-US" sz="3200" dirty="0" smtClean="0"/>
-              <a:t>Graph</a:t>
-            </a:r>
-            <a:endParaRPr lang="en-US" sz="3200" dirty="0"/>
+              <a:rPr lang="en-US" sz="3200" dirty="0"/>
+              <a:t>Regex</a:t>
+            </a:r>
           </a:p>
         </p:txBody>
       </p:sp>
@@ -4468,103 +4500,53 @@
         </p:nvSpPr>
         <p:spPr/>
         <p:txBody>
-          <a:bodyPr/>
+          <a:bodyPr>
+            <a:normAutofit/>
+          </a:bodyPr>
           <a:lstStyle/>
           <a:p>
             <a:r>
-              <a:rPr lang="ru-RU" dirty="0" smtClean="0"/>
-              <a:t>Процесс генерации графа:</a:t>
-            </a:r>
-          </a:p>
-          <a:p>
-            <a:pPr marL="914400" lvl="1" indent="-457200">
-              <a:buFont typeface="+mj-lt"/>
-              <a:buAutoNum type="arabicPeriod"/>
-            </a:pPr>
-            <a:r>
-              <a:rPr lang="ru-RU" dirty="0" smtClean="0"/>
-              <a:t>Фиксируется дерево</a:t>
-            </a:r>
-            <a:r>
               <a:rPr lang="ru-RU" dirty="0"/>
-              <a:t>	</a:t>
-            </a:r>
-            <a:endParaRPr lang="ru-RU" dirty="0" smtClean="0"/>
-          </a:p>
-          <a:p>
-            <a:pPr marL="914400" lvl="1" indent="-457200">
-              <a:buFont typeface="+mj-lt"/>
-              <a:buAutoNum type="arabicPeriod"/>
-            </a:pPr>
-            <a:r>
-              <a:rPr lang="ru-RU" dirty="0" smtClean="0"/>
-              <a:t>Определяется граф большой или </a:t>
-            </a:r>
-            <a:r>
-              <a:rPr lang="ru-RU" dirty="0" smtClean="0"/>
-              <a:t>маленький</a:t>
-            </a:r>
-            <a:endParaRPr lang="ru-RU" dirty="0" smtClean="0"/>
-          </a:p>
-          <a:p>
-            <a:pPr marL="1485900" lvl="2" indent="-342900"/>
-            <a:r>
-              <a:rPr lang="ru-RU" dirty="0" smtClean="0"/>
-              <a:t>Большой, если количество ребер больше половины</a:t>
-            </a:r>
-          </a:p>
-          <a:p>
-            <a:pPr marL="1485900" lvl="2" indent="-342900"/>
-            <a:r>
-              <a:rPr lang="ru-RU" dirty="0" smtClean="0"/>
-              <a:t>Маленький если нет</a:t>
-            </a:r>
-          </a:p>
-          <a:p>
-            <a:pPr marL="914400" lvl="1" indent="-457200">
-              <a:buFont typeface="+mj-lt"/>
-              <a:buAutoNum type="arabicPeriod"/>
-            </a:pPr>
-            <a:r>
-              <a:rPr lang="ru-RU" dirty="0" smtClean="0"/>
-              <a:t>Если маленький, то начинает строиться с фиксированного дерева</a:t>
-            </a:r>
-          </a:p>
-          <a:p>
-            <a:pPr marL="914400" lvl="1" indent="-457200">
-              <a:buFont typeface="+mj-lt"/>
-              <a:buAutoNum type="arabicPeriod"/>
-            </a:pPr>
-            <a:r>
-              <a:rPr lang="ru-RU" dirty="0" smtClean="0"/>
-              <a:t>Если большой, то начинает удалять ребра, не трогая фиксированное дерево.</a:t>
-            </a:r>
-          </a:p>
-          <a:p>
-            <a:r>
-              <a:rPr lang="ru-RU" dirty="0" smtClean="0"/>
-              <a:t>Граф всегда связный.</a:t>
-            </a:r>
+              <a:t>Класс, представляющий регулярные выражения. </a:t>
+            </a:r>
+          </a:p>
+          <a:p>
+            <a:r>
+              <a:rPr lang="ru-RU" dirty="0"/>
+              <a:t>Регулярные выражения, реализованные в данной работе, отличаются от классических регулярных выражений, реализованных в текстовых редакторах и языках программирования, потому что надо </a:t>
+            </a:r>
+            <a:r>
+              <a:rPr lang="ru-RU" i="1" dirty="0"/>
+              <a:t>генерировать </a:t>
+            </a:r>
+            <a:r>
+              <a:rPr lang="ru-RU" dirty="0"/>
+              <a:t>строки, а не искать и заменять. </a:t>
+            </a:r>
+            <a:r>
+              <a:rPr lang="en-US" dirty="0"/>
+              <a:t> </a:t>
+            </a:r>
+          </a:p>
+          <a:p>
+            <a:r>
+              <a:rPr lang="ru-RU" dirty="0"/>
+              <a:t>Конструктор класса принимает одну строку и одно необязательное целое число – максимальную глубину для операций * и +, которая по умолчанию является 1000. Строка же является именно регулярным выражением, по которому и нужно генерировать строки. </a:t>
+            </a:r>
+            <a:endParaRPr lang="en-US" dirty="0"/>
           </a:p>
         </p:txBody>
       </p:sp>
     </p:spTree>
     <p:extLst>
       <p:ext uri="{BB962C8B-B14F-4D97-AF65-F5344CB8AC3E}">
-        <p14:creationId xmlns:p14="http://schemas.microsoft.com/office/powerpoint/2010/main" val="4038146131"/>
+        <p14:creationId xmlns:p14="http://schemas.microsoft.com/office/powerpoint/2010/main" val="2681436947"/>
       </p:ext>
     </p:extLst>
   </p:cSld>
   <p:clrMapOvr>
     <a:masterClrMapping/>
   </p:clrMapOvr>
-  <p:timing>
-    <p:tnLst>
-      <p:par>
-        <p:cTn id="1" dur="indefinite" restart="never" nodeType="tmRoot"/>
-      </p:par>
-    </p:tnLst>
-  </p:timing>
 </p:sld>
 </file>
 
@@ -4597,19 +4579,624 @@
         </p:nvSpPr>
         <p:spPr/>
         <p:txBody>
+          <a:bodyPr>
+            <a:normAutofit/>
+          </a:bodyPr>
+          <a:lstStyle/>
+          <a:p>
+            <a:r>
+              <a:rPr lang="ru-RU" sz="3200" dirty="0"/>
+              <a:t>Основные классы:</a:t>
+            </a:r>
+            <a:br>
+              <a:rPr lang="hy-AM" sz="3200" dirty="0"/>
+            </a:br>
+            <a:r>
+              <a:rPr lang="en-US" sz="3200" dirty="0"/>
+              <a:t>Graph</a:t>
+            </a:r>
+          </a:p>
+        </p:txBody>
+      </p:sp>
+      <p:sp>
+        <p:nvSpPr>
+          <p:cNvPr id="3" name="Объект 2"/>
+          <p:cNvSpPr>
+            <a:spLocks noGrp="1"/>
+          </p:cNvSpPr>
+          <p:nvPr>
+            <p:ph idx="1"/>
+          </p:nvPr>
+        </p:nvSpPr>
+        <p:spPr/>
+        <p:txBody>
           <a:bodyPr/>
           <a:lstStyle/>
           <a:p>
             <a:r>
-              <a:rPr lang="ru-RU" dirty="0" smtClean="0"/>
+              <a:rPr lang="ru-RU" dirty="0"/>
+              <a:t>Класс описывающий графы. </a:t>
+            </a:r>
+          </a:p>
+          <a:p>
+            <a:r>
+              <a:rPr lang="ru-RU" dirty="0"/>
+              <a:t>Поддерживаются:</a:t>
+            </a:r>
+          </a:p>
+          <a:p>
+            <a:pPr marL="800100" lvl="1" indent="-342900"/>
+            <a:r>
+              <a:rPr lang="ru-RU" dirty="0"/>
+              <a:t>Ориентированные и неориентированные</a:t>
+            </a:r>
+          </a:p>
+          <a:p>
+            <a:pPr marL="800100" lvl="1" indent="-342900"/>
+            <a:r>
+              <a:rPr lang="ru-RU" dirty="0"/>
+              <a:t>Взвешенные </a:t>
+            </a:r>
+          </a:p>
+          <a:p>
+            <a:pPr marL="800100" lvl="1" indent="-342900"/>
+            <a:r>
+              <a:rPr lang="ru-RU" dirty="0"/>
+              <a:t>С петлями и без</a:t>
+            </a:r>
+          </a:p>
+          <a:p>
+            <a:pPr marL="800100" lvl="1" indent="-342900"/>
+            <a:r>
+              <a:rPr lang="ru-RU" dirty="0"/>
+              <a:t>С определённым методом вывода. </a:t>
+            </a:r>
+          </a:p>
+          <a:p>
+            <a:r>
+              <a:rPr lang="ru-RU" dirty="0"/>
+              <a:t>На данный момент методов вывода три: матрица смежности, список смежности и список ребер. Конструктор принимает количество вершин, количество ребер, веса.</a:t>
+            </a:r>
+          </a:p>
+        </p:txBody>
+      </p:sp>
+    </p:spTree>
+    <p:extLst>
+      <p:ext uri="{BB962C8B-B14F-4D97-AF65-F5344CB8AC3E}">
+        <p14:creationId xmlns:p14="http://schemas.microsoft.com/office/powerpoint/2010/main" val="284587204"/>
+      </p:ext>
+    </p:extLst>
+  </p:cSld>
+  <p:clrMapOvr>
+    <a:masterClrMapping/>
+  </p:clrMapOvr>
+</p:sld>
+</file>
+
+<file path=ppt/slides/slide16.xml><?xml version="1.0" encoding="utf-8"?>
+<p:sld xmlns:a="http://schemas.openxmlformats.org/drawingml/2006/main" xmlns:r="http://schemas.openxmlformats.org/officeDocument/2006/relationships" xmlns:p="http://schemas.openxmlformats.org/presentationml/2006/main">
+  <p:cSld>
+    <p:spTree>
+      <p:nvGrpSpPr>
+        <p:cNvPr id="1" name=""/>
+        <p:cNvGrpSpPr/>
+        <p:nvPr/>
+      </p:nvGrpSpPr>
+      <p:grpSpPr>
+        <a:xfrm>
+          <a:off x="0" y="0"/>
+          <a:ext cx="0" cy="0"/>
+          <a:chOff x="0" y="0"/>
+          <a:chExt cx="0" cy="0"/>
+        </a:xfrm>
+      </p:grpSpPr>
+      <p:sp>
+        <p:nvSpPr>
+          <p:cNvPr id="2" name="Заголовок 1"/>
+          <p:cNvSpPr>
+            <a:spLocks noGrp="1"/>
+          </p:cNvSpPr>
+          <p:nvPr>
+            <p:ph type="title"/>
+          </p:nvPr>
+        </p:nvSpPr>
+        <p:spPr/>
+        <p:txBody>
+          <a:bodyPr>
+            <a:normAutofit/>
+          </a:bodyPr>
+          <a:lstStyle/>
+          <a:p>
+            <a:r>
+              <a:rPr lang="ru-RU" sz="3200" dirty="0"/>
+              <a:t>Основные классы:</a:t>
+            </a:r>
+            <a:br>
+              <a:rPr lang="hy-AM" sz="3200" dirty="0"/>
+            </a:br>
+            <a:r>
+              <a:rPr lang="en-US" sz="3200" dirty="0"/>
+              <a:t>Graph</a:t>
+            </a:r>
+          </a:p>
+        </p:txBody>
+      </p:sp>
+      <p:sp>
+        <p:nvSpPr>
+          <p:cNvPr id="3" name="Объект 2"/>
+          <p:cNvSpPr>
+            <a:spLocks noGrp="1"/>
+          </p:cNvSpPr>
+          <p:nvPr>
+            <p:ph idx="1"/>
+          </p:nvPr>
+        </p:nvSpPr>
+        <p:spPr/>
+        <p:txBody>
+          <a:bodyPr/>
+          <a:lstStyle/>
+          <a:p>
+            <a:r>
+              <a:rPr lang="ru-RU" dirty="0"/>
+              <a:t>Процесс генерации графа:</a:t>
+            </a:r>
+          </a:p>
+          <a:p>
+            <a:pPr marL="914400" lvl="1" indent="-457200">
+              <a:buFont typeface="+mj-lt"/>
+              <a:buAutoNum type="arabicPeriod"/>
+            </a:pPr>
+            <a:r>
+              <a:rPr lang="ru-RU" dirty="0"/>
+              <a:t>Фиксируется дерево	</a:t>
+            </a:r>
+          </a:p>
+          <a:p>
+            <a:pPr marL="914400" lvl="1" indent="-457200">
+              <a:buFont typeface="+mj-lt"/>
+              <a:buAutoNum type="arabicPeriod"/>
+            </a:pPr>
+            <a:r>
+              <a:rPr lang="ru-RU" dirty="0"/>
+              <a:t>Определяется граф большой или маленький</a:t>
+            </a:r>
+          </a:p>
+          <a:p>
+            <a:pPr marL="1485900" lvl="2" indent="-342900"/>
+            <a:r>
+              <a:rPr lang="ru-RU" dirty="0"/>
+              <a:t>Большой, если количество ребер больше половины</a:t>
+            </a:r>
+          </a:p>
+          <a:p>
+            <a:pPr marL="1485900" lvl="2" indent="-342900"/>
+            <a:r>
+              <a:rPr lang="ru-RU" dirty="0"/>
+              <a:t>Маленький если нет</a:t>
+            </a:r>
+          </a:p>
+          <a:p>
+            <a:pPr marL="914400" lvl="1" indent="-457200">
+              <a:buFont typeface="+mj-lt"/>
+              <a:buAutoNum type="arabicPeriod"/>
+            </a:pPr>
+            <a:r>
+              <a:rPr lang="ru-RU" dirty="0"/>
+              <a:t>Если маленький, то начинает строиться с фиксированного дерева</a:t>
+            </a:r>
+          </a:p>
+          <a:p>
+            <a:pPr marL="914400" lvl="1" indent="-457200">
+              <a:buFont typeface="+mj-lt"/>
+              <a:buAutoNum type="arabicPeriod"/>
+            </a:pPr>
+            <a:r>
+              <a:rPr lang="ru-RU" dirty="0"/>
+              <a:t>Если большой, то начинает удалять ребра, не трогая фиксированное дерево.</a:t>
+            </a:r>
+          </a:p>
+          <a:p>
+            <a:r>
+              <a:rPr lang="ru-RU" dirty="0"/>
+              <a:t>Граф всегда связный.</a:t>
+            </a:r>
+          </a:p>
+        </p:txBody>
+      </p:sp>
+    </p:spTree>
+    <p:extLst>
+      <p:ext uri="{BB962C8B-B14F-4D97-AF65-F5344CB8AC3E}">
+        <p14:creationId xmlns:p14="http://schemas.microsoft.com/office/powerpoint/2010/main" val="4038146131"/>
+      </p:ext>
+    </p:extLst>
+  </p:cSld>
+  <p:clrMapOvr>
+    <a:masterClrMapping/>
+  </p:clrMapOvr>
+</p:sld>
+</file>
+
+<file path=ppt/slides/slide17.xml><?xml version="1.0" encoding="utf-8"?>
+<p:sld xmlns:a="http://schemas.openxmlformats.org/drawingml/2006/main" xmlns:r="http://schemas.openxmlformats.org/officeDocument/2006/relationships" xmlns:p="http://schemas.openxmlformats.org/presentationml/2006/main">
+  <p:cSld>
+    <p:spTree>
+      <p:nvGrpSpPr>
+        <p:cNvPr id="1" name=""/>
+        <p:cNvGrpSpPr/>
+        <p:nvPr/>
+      </p:nvGrpSpPr>
+      <p:grpSpPr>
+        <a:xfrm>
+          <a:off x="0" y="0"/>
+          <a:ext cx="0" cy="0"/>
+          <a:chOff x="0" y="0"/>
+          <a:chExt cx="0" cy="0"/>
+        </a:xfrm>
+      </p:grpSpPr>
+      <p:sp>
+        <p:nvSpPr>
+          <p:cNvPr id="2" name="Заголовок 1"/>
+          <p:cNvSpPr>
+            <a:spLocks noGrp="1"/>
+          </p:cNvSpPr>
+          <p:nvPr>
+            <p:ph type="title"/>
+          </p:nvPr>
+        </p:nvSpPr>
+        <p:spPr/>
+        <p:txBody>
+          <a:bodyPr>
+            <a:normAutofit/>
+          </a:bodyPr>
+          <a:lstStyle/>
+          <a:p>
+            <a:r>
+              <a:rPr lang="ru-RU" sz="3200" dirty="0"/>
+              <a:t>Основные классы:</a:t>
+            </a:r>
+            <a:br>
+              <a:rPr lang="hy-AM" sz="3200" dirty="0"/>
+            </a:br>
+            <a:r>
+              <a:rPr lang="en-US" sz="3200" dirty="0" err="1"/>
+              <a:t>GraphMerger</a:t>
+            </a:r>
+            <a:endParaRPr lang="en-US" sz="3200" dirty="0"/>
+          </a:p>
+        </p:txBody>
+      </p:sp>
+      <p:sp>
+        <p:nvSpPr>
+          <p:cNvPr id="3" name="Объект 2"/>
+          <p:cNvSpPr>
+            <a:spLocks noGrp="1"/>
+          </p:cNvSpPr>
+          <p:nvPr>
+            <p:ph idx="1"/>
+          </p:nvPr>
+        </p:nvSpPr>
+        <p:spPr/>
+        <p:txBody>
+          <a:bodyPr/>
+          <a:lstStyle/>
+          <a:p>
+            <a:r>
+              <a:rPr lang="ru-RU" dirty="0"/>
+              <a:t>Класс для объединения графов. Принимает в конструкторе массив </a:t>
+            </a:r>
+            <a:r>
+              <a:rPr lang="en-US" dirty="0"/>
+              <a:t>Graph.</a:t>
+            </a:r>
+            <a:endParaRPr lang="ru-RU" dirty="0"/>
+          </a:p>
+          <a:p>
+            <a:r>
+              <a:rPr lang="ru-RU" dirty="0"/>
+              <a:t>Алгоритм объединения:</a:t>
+            </a:r>
+          </a:p>
+          <a:p>
+            <a:pPr marL="914400" lvl="1" indent="-457200">
+              <a:buFont typeface="+mj-lt"/>
+              <a:buAutoNum type="arabicPeriod"/>
+            </a:pPr>
+            <a:r>
+              <a:rPr lang="ru-RU" dirty="0"/>
+              <a:t>Узнаётся общее количество</a:t>
+            </a:r>
+            <a:r>
+              <a:rPr lang="en-US" dirty="0"/>
+              <a:t> </a:t>
+            </a:r>
+            <a:r>
+              <a:rPr lang="ru-RU" dirty="0"/>
+              <a:t>вершин</a:t>
+            </a:r>
+            <a:r>
+              <a:rPr lang="en-US" dirty="0"/>
+              <a:t> (</a:t>
+            </a:r>
+            <a:r>
+              <a:rPr lang="ru-RU" dirty="0"/>
+              <a:t>предположим, </a:t>
+            </a:r>
+            <a:r>
+              <a:rPr lang="en-US" dirty="0"/>
+              <a:t>n)</a:t>
+            </a:r>
+            <a:r>
+              <a:rPr lang="ru-RU" dirty="0"/>
+              <a:t>.</a:t>
+            </a:r>
+          </a:p>
+          <a:p>
+            <a:pPr marL="914400" lvl="1" indent="-457200">
+              <a:buFont typeface="+mj-lt"/>
+              <a:buAutoNum type="arabicPeriod"/>
+            </a:pPr>
+            <a:r>
+              <a:rPr lang="ru-RU" dirty="0"/>
+              <a:t>Создается массив </a:t>
+            </a:r>
+            <a:r>
+              <a:rPr lang="en-US" dirty="0"/>
+              <a:t>{1, 2, 3, …, n}</a:t>
+            </a:r>
+            <a:r>
+              <a:rPr lang="ru-RU" dirty="0"/>
+              <a:t>.</a:t>
+            </a:r>
+            <a:endParaRPr lang="en-US" dirty="0"/>
+          </a:p>
+          <a:p>
+            <a:pPr marL="914400" lvl="1" indent="-457200">
+              <a:buFont typeface="+mj-lt"/>
+              <a:buAutoNum type="arabicPeriod"/>
+            </a:pPr>
+            <a:r>
+              <a:rPr lang="ru-RU" dirty="0"/>
+              <a:t>Случайным образом массив перемешивается.</a:t>
+            </a:r>
+          </a:p>
+          <a:p>
+            <a:pPr marL="914400" lvl="1" indent="-457200">
+              <a:buFont typeface="+mj-lt"/>
+              <a:buAutoNum type="arabicPeriod"/>
+            </a:pPr>
+            <a:r>
+              <a:rPr lang="ru-RU" dirty="0"/>
+              <a:t>Каждой вершине присваивается свой новый номер</a:t>
+            </a:r>
+            <a:r>
+              <a:rPr lang="en-US" dirty="0"/>
+              <a:t>.</a:t>
+            </a:r>
+            <a:endParaRPr lang="ru-RU" dirty="0"/>
+          </a:p>
+          <a:p>
+            <a:pPr marL="914400" lvl="1" indent="-457200">
+              <a:buFont typeface="+mj-lt"/>
+              <a:buAutoNum type="arabicPeriod"/>
+            </a:pPr>
+            <a:r>
+              <a:rPr lang="ru-RU" dirty="0"/>
+              <a:t>Создается лист смежности размера </a:t>
+            </a:r>
+            <a:r>
+              <a:rPr lang="en-US" dirty="0"/>
+              <a:t>n.</a:t>
+            </a:r>
+          </a:p>
+          <a:p>
+            <a:pPr marL="914400" lvl="1" indent="-457200">
+              <a:buFont typeface="+mj-lt"/>
+              <a:buAutoNum type="arabicPeriod"/>
+            </a:pPr>
+            <a:r>
+              <a:rPr lang="ru-RU" dirty="0"/>
+              <a:t>И заполняется листами смежности каждого отдельного графа.</a:t>
+            </a:r>
+          </a:p>
+        </p:txBody>
+      </p:sp>
+    </p:spTree>
+    <p:extLst>
+      <p:ext uri="{BB962C8B-B14F-4D97-AF65-F5344CB8AC3E}">
+        <p14:creationId xmlns:p14="http://schemas.microsoft.com/office/powerpoint/2010/main" val="2093898084"/>
+      </p:ext>
+    </p:extLst>
+  </p:cSld>
+  <p:clrMapOvr>
+    <a:masterClrMapping/>
+  </p:clrMapOvr>
+</p:sld>
+</file>
+
+<file path=ppt/slides/slide18.xml><?xml version="1.0" encoding="utf-8"?>
+<p:sld xmlns:a="http://schemas.openxmlformats.org/drawingml/2006/main" xmlns:r="http://schemas.openxmlformats.org/officeDocument/2006/relationships" xmlns:p="http://schemas.openxmlformats.org/presentationml/2006/main">
+  <p:cSld>
+    <p:spTree>
+      <p:nvGrpSpPr>
+        <p:cNvPr id="1" name=""/>
+        <p:cNvGrpSpPr/>
+        <p:nvPr/>
+      </p:nvGrpSpPr>
+      <p:grpSpPr>
+        <a:xfrm>
+          <a:off x="0" y="0"/>
+          <a:ext cx="0" cy="0"/>
+          <a:chOff x="0" y="0"/>
+          <a:chExt cx="0" cy="0"/>
+        </a:xfrm>
+      </p:grpSpPr>
+      <p:sp>
+        <p:nvSpPr>
+          <p:cNvPr id="2" name="Заголовок 1"/>
+          <p:cNvSpPr>
+            <a:spLocks noGrp="1"/>
+          </p:cNvSpPr>
+          <p:nvPr>
+            <p:ph type="title"/>
+          </p:nvPr>
+        </p:nvSpPr>
+        <p:spPr/>
+        <p:txBody>
+          <a:bodyPr>
+            <a:normAutofit/>
+          </a:bodyPr>
+          <a:lstStyle/>
+          <a:p>
+            <a:r>
+              <a:rPr lang="ru-RU" sz="3200" dirty="0"/>
+              <a:t>Основные классы:</a:t>
+            </a:r>
+            <a:br>
+              <a:rPr lang="hy-AM" sz="3200" dirty="0"/>
+            </a:br>
+            <a:r>
+              <a:rPr lang="en-US" sz="3200" dirty="0" err="1"/>
+              <a:t>TestCreator</a:t>
+            </a:r>
+            <a:endParaRPr lang="en-US" sz="3200" dirty="0"/>
+          </a:p>
+        </p:txBody>
+      </p:sp>
+      <p:sp>
+        <p:nvSpPr>
+          <p:cNvPr id="3" name="Объект 2"/>
+          <p:cNvSpPr>
+            <a:spLocks noGrp="1"/>
+          </p:cNvSpPr>
+          <p:nvPr>
+            <p:ph idx="1"/>
+          </p:nvPr>
+        </p:nvSpPr>
+        <p:spPr/>
+        <p:txBody>
+          <a:bodyPr/>
+          <a:lstStyle/>
+          <a:p>
+            <a:r>
+              <a:rPr lang="en-US" dirty="0" err="1"/>
+              <a:t>TestCreator</a:t>
+            </a:r>
+            <a:r>
+              <a:rPr lang="ru-RU" dirty="0"/>
+              <a:t> – класс для генерации и записи тестов в файлы. Конструктор принимает:</a:t>
+            </a:r>
+          </a:p>
+          <a:p>
+            <a:pPr marL="457200" indent="-457200">
+              <a:buFont typeface="+mj-lt"/>
+              <a:buAutoNum type="arabicPeriod"/>
+            </a:pPr>
+            <a:r>
+              <a:rPr lang="ru-RU" dirty="0"/>
+              <a:t>Тест, который нужно генерировать</a:t>
+            </a:r>
+          </a:p>
+          <a:p>
+            <a:pPr marL="457200" indent="-457200">
+              <a:buFont typeface="+mj-lt"/>
+              <a:buAutoNum type="arabicPeriod"/>
+            </a:pPr>
+            <a:r>
+              <a:rPr lang="ru-RU" dirty="0"/>
+              <a:t>Количество тестов для генерации</a:t>
+            </a:r>
+          </a:p>
+          <a:p>
+            <a:pPr marL="457200" indent="-457200">
+              <a:buFont typeface="+mj-lt"/>
+              <a:buAutoNum type="arabicPeriod"/>
+            </a:pPr>
+            <a:r>
+              <a:rPr lang="ru-RU" dirty="0"/>
+              <a:t>Путь директории на локальном диске, в которую эти тесты должны записываться </a:t>
+            </a:r>
+          </a:p>
+          <a:p>
+            <a:pPr marL="457200" indent="-457200">
+              <a:buFont typeface="+mj-lt"/>
+              <a:buAutoNum type="arabicPeriod"/>
+            </a:pPr>
+            <a:r>
+              <a:rPr lang="ru-RU" dirty="0"/>
+              <a:t>Какое количество потоков должно быть использовано</a:t>
+            </a:r>
+          </a:p>
+          <a:p>
+            <a:pPr marL="457200" indent="-457200">
+              <a:buFont typeface="+mj-lt"/>
+              <a:buAutoNum type="arabicPeriod"/>
+            </a:pPr>
+            <a:r>
+              <a:rPr lang="ru-RU" dirty="0"/>
+              <a:t>Формат названия  файлов: префикс файла, расширение, и с какого номера начинать.  </a:t>
+            </a:r>
+            <a:endParaRPr lang="en-US" dirty="0"/>
+          </a:p>
+          <a:p>
+            <a:endParaRPr lang="ru-RU" dirty="0"/>
+          </a:p>
+        </p:txBody>
+      </p:sp>
+    </p:spTree>
+    <p:extLst>
+      <p:ext uri="{BB962C8B-B14F-4D97-AF65-F5344CB8AC3E}">
+        <p14:creationId xmlns:p14="http://schemas.microsoft.com/office/powerpoint/2010/main" val="2711620350"/>
+      </p:ext>
+    </p:extLst>
+  </p:cSld>
+  <p:clrMapOvr>
+    <a:masterClrMapping/>
+  </p:clrMapOvr>
+</p:sld>
+</file>
+
+<file path=ppt/slides/slide19.xml><?xml version="1.0" encoding="utf-8"?>
+<p:sld xmlns:a="http://schemas.openxmlformats.org/drawingml/2006/main" xmlns:r="http://schemas.openxmlformats.org/officeDocument/2006/relationships" xmlns:p="http://schemas.openxmlformats.org/presentationml/2006/main">
+  <p:cSld>
+    <p:spTree>
+      <p:nvGrpSpPr>
+        <p:cNvPr id="1" name=""/>
+        <p:cNvGrpSpPr/>
+        <p:nvPr/>
+      </p:nvGrpSpPr>
+      <p:grpSpPr>
+        <a:xfrm>
+          <a:off x="0" y="0"/>
+          <a:ext cx="0" cy="0"/>
+          <a:chOff x="0" y="0"/>
+          <a:chExt cx="0" cy="0"/>
+        </a:xfrm>
+      </p:grpSpPr>
+      <p:sp>
+        <p:nvSpPr>
+          <p:cNvPr id="2" name="Заголовок 1"/>
+          <p:cNvSpPr>
+            <a:spLocks noGrp="1"/>
+          </p:cNvSpPr>
+          <p:nvPr>
+            <p:ph type="title"/>
+          </p:nvPr>
+        </p:nvSpPr>
+        <p:spPr/>
+        <p:txBody>
+          <a:bodyPr/>
+          <a:lstStyle/>
+          <a:p>
+            <a:r>
+              <a:rPr lang="ru-RU" dirty="0"/>
               <a:t>Задача №1</a:t>
             </a:r>
             <a:endParaRPr lang="en-US" dirty="0"/>
           </a:p>
         </p:txBody>
       </p:sp>
-      <mc:AlternateContent xmlns:mc="http://schemas.openxmlformats.org/markup-compatibility/2006" xmlns:a14="http://schemas.microsoft.com/office/drawing/2010/main">
-        <mc:Choice Requires="a14">
+      <mc:AlternateContent xmlns:mc="http://schemas.openxmlformats.org/markup-compatibility/2006">
+        <mc:Choice xmlns:a14="http://schemas.microsoft.com/office/drawing/2010/main" Requires="a14">
           <p:sp>
             <p:nvSpPr>
               <p:cNvPr id="3" name="Объект 2"/>
@@ -4627,34 +5214,30 @@
               <a:p>
                 <a:pPr algn="ctr"/>
                 <a:r>
-                  <a:rPr lang="ru-RU" i="1" dirty="0" smtClean="0"/>
+                  <a:rPr lang="ru-RU" i="1" dirty="0"/>
                   <a:t>&lt;Условие задачи&gt;</a:t>
                 </a:r>
                 <a:r>
-                  <a:rPr lang="en-US" dirty="0" smtClean="0"/>
+                  <a:rPr lang="en-US" dirty="0"/>
                   <a:t> </a:t>
                 </a:r>
               </a:p>
               <a:p>
                 <a:pPr algn="ctr"/>
                 <a:r>
-                  <a:rPr lang="ru-RU" i="1" dirty="0" smtClean="0"/>
+                  <a:rPr lang="ru-RU" i="1" dirty="0"/>
                   <a:t>Исходные данные</a:t>
                 </a:r>
                 <a:r>
-                  <a:rPr lang="en-US" dirty="0" smtClean="0"/>
+                  <a:rPr lang="en-US" dirty="0"/>
                   <a:t> </a:t>
                 </a:r>
               </a:p>
               <a:p>
                 <a:pPr algn="ctr"/>
                 <a:r>
-                  <a:rPr lang="ru-RU" dirty="0" smtClean="0"/>
-                  <a:t>Дано </a:t>
-                </a:r>
-                <a:r>
                   <a:rPr lang="ru-RU" dirty="0"/>
-                  <a:t>число </a:t>
+                  <a:t>Дано число </a:t>
                 </a:r>
                 <a14:m>
                   <m:oMath xmlns:m="http://schemas.openxmlformats.org/officeDocument/2006/math">
@@ -4704,7 +5287,7 @@
                       <m:sSupPr>
                         <m:ctrlPr>
                           <a:rPr lang="en-US" i="1">
-                            <a:latin typeface="Cambria Math"/>
+                            <a:latin typeface="Cambria Math" panose="02040503050406030204" pitchFamily="18" charset="0"/>
                           </a:rPr>
                         </m:ctrlPr>
                       </m:sSupPr>
@@ -4785,7 +5368,7 @@
                       <m:sSupPr>
                         <m:ctrlPr>
                           <a:rPr lang="en-US" i="1">
-                            <a:latin typeface="Cambria Math"/>
+                            <a:latin typeface="Cambria Math" panose="02040503050406030204" pitchFamily="18" charset="0"/>
                           </a:rPr>
                         </m:ctrlPr>
                       </m:sSupPr>
@@ -4838,7 +5421,7 @@
                       <m:sSubPr>
                         <m:ctrlPr>
                           <a:rPr lang="en-US" i="1">
-                            <a:latin typeface="Cambria Math"/>
+                            <a:latin typeface="Cambria Math" panose="02040503050406030204" pitchFamily="18" charset="0"/>
                           </a:rPr>
                         </m:ctrlPr>
                       </m:sSubPr>
@@ -4863,7 +5446,7 @@
                       <m:sSubPr>
                         <m:ctrlPr>
                           <a:rPr lang="en-US" i="1">
-                            <a:latin typeface="Cambria Math"/>
+                            <a:latin typeface="Cambria Math" panose="02040503050406030204" pitchFamily="18" charset="0"/>
                           </a:rPr>
                         </m:ctrlPr>
                       </m:sSubPr>
@@ -4888,82 +5471,18 @@
                 </a14:m>
                 <a:r>
                   <a:rPr lang="ru-RU" dirty="0"/>
-                  <a:t>,  каждое из которых может быть по модулю не больше 1000, и </a:t>
-                </a:r>
-                <a14:m>
-                  <m:oMath xmlns:m="http://schemas.openxmlformats.org/officeDocument/2006/math">
-                    <m:sSub>
-                      <m:sSubPr>
-                        <m:ctrlPr>
-                          <a:rPr lang="en-US" i="1">
-                            <a:latin typeface="Cambria Math"/>
-                          </a:rPr>
-                        </m:ctrlPr>
-                      </m:sSubPr>
-                      <m:e>
-                        <m:r>
-                          <a:rPr lang="ru-RU" i="1">
-                            <a:latin typeface="Cambria Math"/>
-                          </a:rPr>
-                          <m:t>𝒃</m:t>
-                        </m:r>
-                      </m:e>
-                      <m:sub>
-                        <m:r>
-                          <a:rPr lang="ru-RU" i="1">
-                            <a:latin typeface="Cambria Math"/>
-                          </a:rPr>
-                          <m:t>𝒊</m:t>
-                        </m:r>
-                      </m:sub>
-                    </m:sSub>
-                    <m:r>
-                      <a:rPr lang="ru-RU" i="1">
-                        <a:latin typeface="Cambria Math"/>
-                      </a:rPr>
-                      <m:t>≥</m:t>
-                    </m:r>
-                    <m:sSub>
-                      <m:sSubPr>
-                        <m:ctrlPr>
-                          <a:rPr lang="en-US" i="1">
-                            <a:latin typeface="Cambria Math"/>
-                          </a:rPr>
-                        </m:ctrlPr>
-                      </m:sSubPr>
-                      <m:e>
-                        <m:r>
-                          <a:rPr lang="ru-RU" i="1">
-                            <a:latin typeface="Cambria Math"/>
-                          </a:rPr>
-                          <m:t>𝒂</m:t>
-                        </m:r>
-                      </m:e>
-                      <m:sub>
-                        <m:r>
-                          <a:rPr lang="ru-RU" i="1">
-                            <a:latin typeface="Cambria Math"/>
-                          </a:rPr>
-                          <m:t>𝒊</m:t>
-                        </m:r>
-                      </m:sub>
-                    </m:sSub>
-                  </m:oMath>
-                </a14:m>
-                <a:r>
-                  <a:rPr lang="ru-RU" dirty="0"/>
-                  <a:t>.</a:t>
+                  <a:t>,  каждое из которых может быть по модулю не больше 1000.</a:t>
                 </a:r>
                 <a:endParaRPr lang="en-US" dirty="0"/>
               </a:p>
               <a:p>
                 <a:pPr algn="ctr"/>
                 <a:r>
-                  <a:rPr lang="ru-RU" i="1" dirty="0" smtClean="0"/>
+                  <a:rPr lang="ru-RU" i="1" dirty="0"/>
                   <a:t>&lt;Описание результата&gt;</a:t>
                 </a:r>
                 <a:r>
-                  <a:rPr lang="en-US" dirty="0" smtClean="0"/>
+                  <a:rPr lang="en-US" dirty="0"/>
                   <a:t> </a:t>
                 </a:r>
               </a:p>
@@ -4974,7 +5493,7 @@
             </p:txBody>
           </p:sp>
         </mc:Choice>
-        <mc:Fallback xmlns="">
+        <mc:Fallback>
           <p:sp>
             <p:nvSpPr>
               <p:cNvPr id="3" name="Объект 2"/>
@@ -4986,10 +5505,10 @@
               </p:nvPr>
             </p:nvSpPr>
             <p:spPr>
-              <a:blipFill rotWithShape="1">
+              <a:blipFill>
                 <a:blip r:embed="rId2"/>
                 <a:stretch>
-                  <a:fillRect l="-720" t="-558" r="-400"/>
+                  <a:fillRect l="-720" t="-697" r="-320"/>
                 </a:stretch>
               </a:blipFill>
             </p:spPr>
@@ -5018,17 +5537,10 @@
   <p:clrMapOvr>
     <a:masterClrMapping/>
   </p:clrMapOvr>
-  <p:timing>
-    <p:tnLst>
-      <p:par>
-        <p:cTn id="1" dur="indefinite" restart="never" nodeType="tmRoot"/>
-      </p:par>
-    </p:tnLst>
-  </p:timing>
 </p:sld>
 </file>
 
-<file path=ppt/slides/slide16.xml><?xml version="1.0" encoding="utf-8"?>
+<file path=ppt/slides/slide2.xml><?xml version="1.0" encoding="utf-8"?>
 <p:sld xmlns:a="http://schemas.openxmlformats.org/drawingml/2006/main" xmlns:r="http://schemas.openxmlformats.org/officeDocument/2006/relationships" xmlns:p="http://schemas.openxmlformats.org/presentationml/2006/main">
   <p:cSld>
     <p:spTree>
@@ -5057,13 +5569,154 @@
         </p:nvSpPr>
         <p:spPr/>
         <p:txBody>
+          <a:bodyPr/>
+          <a:lstStyle/>
+          <a:p>
+            <a:r>
+              <a:rPr lang="ru-RU" dirty="0"/>
+              <a:t>Введение</a:t>
+            </a:r>
+            <a:endParaRPr lang="en-US" dirty="0"/>
+          </a:p>
+        </p:txBody>
+      </p:sp>
+      <p:sp>
+        <p:nvSpPr>
+          <p:cNvPr id="3" name="Объект 2"/>
+          <p:cNvSpPr>
+            <a:spLocks noGrp="1"/>
+          </p:cNvSpPr>
+          <p:nvPr>
+            <p:ph idx="1"/>
+          </p:nvPr>
+        </p:nvSpPr>
+        <p:spPr/>
+        <p:txBody>
+          <a:bodyPr>
+            <a:normAutofit lnSpcReduction="10000"/>
+          </a:bodyPr>
+          <a:lstStyle/>
+          <a:p>
+            <a:r>
+              <a:rPr lang="ru-RU" dirty="0"/>
+              <a:t>Библиотека, предоставляющая инструменты генерации различных тестов для олимпиадных задач и домашних заданий.  </a:t>
+            </a:r>
+          </a:p>
+          <a:p>
+            <a:pPr marL="800100" lvl="1" indent="-342900"/>
+            <a:r>
+              <a:rPr lang="ru-RU" dirty="0"/>
+              <a:t>Реализована на языке С++. </a:t>
+            </a:r>
+          </a:p>
+          <a:p>
+            <a:pPr marL="800100" lvl="1" indent="-342900"/>
+            <a:r>
+              <a:rPr lang="ru-RU" dirty="0"/>
+              <a:t>Были использованы многие шаблоны проектирования, алгоритмы.</a:t>
+            </a:r>
+          </a:p>
+          <a:p>
+            <a:pPr marL="800100" lvl="1" indent="-342900"/>
+            <a:r>
+              <a:rPr lang="ru-RU" dirty="0"/>
+              <a:t>Реализована работа в нескольких потоках. </a:t>
+            </a:r>
+            <a:endParaRPr lang="en-US" dirty="0"/>
+          </a:p>
+          <a:p>
+            <a:r>
+              <a:rPr lang="ru-RU" dirty="0"/>
+              <a:t>Библиотека предоставляет такие инструменты, как: </a:t>
+            </a:r>
+          </a:p>
+          <a:p>
+            <a:pPr marL="800100" lvl="1" indent="-342900"/>
+            <a:r>
+              <a:rPr lang="ru-RU" dirty="0"/>
+              <a:t>Диапазоны значений</a:t>
+            </a:r>
+          </a:p>
+          <a:p>
+            <a:pPr marL="800100" lvl="1" indent="-342900"/>
+            <a:r>
+              <a:rPr lang="ru-RU" dirty="0"/>
+              <a:t>Массивы на диапазонах</a:t>
+            </a:r>
+          </a:p>
+          <a:p>
+            <a:pPr marL="800100" lvl="1" indent="-342900"/>
+            <a:r>
+              <a:rPr lang="ru-RU" dirty="0"/>
+              <a:t>Случайные графы</a:t>
+            </a:r>
+          </a:p>
+          <a:p>
+            <a:pPr marL="800100" lvl="1" indent="-342900"/>
+            <a:r>
+              <a:rPr lang="ru-RU" dirty="0"/>
+              <a:t>Регулярные выражения </a:t>
+            </a:r>
+          </a:p>
+          <a:p>
+            <a:pPr marL="800100" lvl="1" indent="-342900"/>
+            <a:r>
+              <a:rPr lang="ru-RU" dirty="0"/>
+              <a:t>И многое другое. </a:t>
+            </a:r>
+            <a:endParaRPr lang="en-US" dirty="0"/>
+          </a:p>
+        </p:txBody>
+      </p:sp>
+    </p:spTree>
+    <p:extLst>
+      <p:ext uri="{BB962C8B-B14F-4D97-AF65-F5344CB8AC3E}">
+        <p14:creationId xmlns:p14="http://schemas.microsoft.com/office/powerpoint/2010/main" val="3751621880"/>
+      </p:ext>
+    </p:extLst>
+  </p:cSld>
+  <p:clrMapOvr>
+    <a:masterClrMapping/>
+  </p:clrMapOvr>
+</p:sld>
+</file>
+
+<file path=ppt/slides/slide20.xml><?xml version="1.0" encoding="utf-8"?>
+<p:sld xmlns:a="http://schemas.openxmlformats.org/drawingml/2006/main" xmlns:r="http://schemas.openxmlformats.org/officeDocument/2006/relationships" xmlns:p="http://schemas.openxmlformats.org/presentationml/2006/main">
+  <p:cSld>
+    <p:spTree>
+      <p:nvGrpSpPr>
+        <p:cNvPr id="1" name=""/>
+        <p:cNvGrpSpPr/>
+        <p:nvPr/>
+      </p:nvGrpSpPr>
+      <p:grpSpPr>
+        <a:xfrm>
+          <a:off x="0" y="0"/>
+          <a:ext cx="0" cy="0"/>
+          <a:chOff x="0" y="0"/>
+          <a:chExt cx="0" cy="0"/>
+        </a:xfrm>
+      </p:grpSpPr>
+      <p:sp>
+        <p:nvSpPr>
+          <p:cNvPr id="2" name="Заголовок 1"/>
+          <p:cNvSpPr>
+            <a:spLocks noGrp="1"/>
+          </p:cNvSpPr>
+          <p:nvPr>
+            <p:ph type="title"/>
+          </p:nvPr>
+        </p:nvSpPr>
+        <p:spPr/>
+        <p:txBody>
           <a:bodyPr>
             <a:normAutofit/>
           </a:bodyPr>
           <a:lstStyle/>
           <a:p>
             <a:r>
-              <a:rPr lang="ru-RU" sz="3200" dirty="0" smtClean="0"/>
+              <a:rPr lang="ru-RU" sz="3200" dirty="0"/>
               <a:t>Разбор задачи №1</a:t>
             </a:r>
             <a:endParaRPr lang="en-US" sz="3200" dirty="0"/>
@@ -5088,15 +5741,14 @@
               </a:ext>
             </a:extLst>
           </a:blip>
-          <a:srcRect/>
           <a:stretch>
             <a:fillRect/>
           </a:stretch>
         </p:blipFill>
         <p:spPr bwMode="auto">
           <a:xfrm>
-            <a:off x="1066800" y="1524000"/>
-            <a:ext cx="7543800" cy="4911611"/>
+            <a:off x="1491953" y="1524318"/>
+            <a:ext cx="6160093" cy="4911611"/>
           </a:xfrm>
           <a:prstGeom prst="rect">
             <a:avLst/>
@@ -5136,17 +5788,10 @@
   <p:clrMapOvr>
     <a:masterClrMapping/>
   </p:clrMapOvr>
-  <p:timing>
-    <p:tnLst>
-      <p:par>
-        <p:cTn id="1" dur="indefinite" restart="never" nodeType="tmRoot"/>
-      </p:par>
-    </p:tnLst>
-  </p:timing>
 </p:sld>
 </file>
 
-<file path=ppt/slides/slide17.xml><?xml version="1.0" encoding="utf-8"?>
+<file path=ppt/slides/slide21.xml><?xml version="1.0" encoding="utf-8"?>
 <p:sld xmlns:a="http://schemas.openxmlformats.org/drawingml/2006/main" xmlns:r="http://schemas.openxmlformats.org/officeDocument/2006/relationships" xmlns:p="http://schemas.openxmlformats.org/presentationml/2006/main">
   <p:cSld>
     <p:spTree>
@@ -5181,14 +5826,13 @@
           <a:lstStyle/>
           <a:p>
             <a:r>
-              <a:rPr lang="ru-RU" sz="3200" dirty="0" smtClean="0"/>
+              <a:rPr lang="ru-RU" sz="3200" dirty="0"/>
               <a:t>Задача №</a:t>
             </a:r>
             <a:r>
-              <a:rPr lang="en-US" sz="3200" dirty="0" smtClean="0"/>
+              <a:rPr lang="en-US" sz="3200" dirty="0"/>
               <a:t>2</a:t>
             </a:r>
-            <a:endParaRPr lang="en-US" sz="3200" dirty="0"/>
           </a:p>
         </p:txBody>
       </p:sp>
@@ -5220,10 +5864,6 @@
                   <a:rPr lang="en-US" dirty="0"/>
                   <a:t> </a:t>
                 </a:r>
-                <a:r>
-                  <a:rPr lang="ru-RU" dirty="0"/>
-                  <a:t/>
-                </a:r>
                 <a:br>
                   <a:rPr lang="ru-RU" dirty="0"/>
                 </a:br>
@@ -5341,7 +5981,7 @@
                       <m:sSupPr>
                         <m:ctrlPr>
                           <a:rPr lang="en-US" i="1">
-                            <a:latin typeface="Cambria Math"/>
+                            <a:latin typeface="Cambria Math" panose="02040503050406030204" pitchFamily="18" charset="0"/>
                           </a:rPr>
                         </m:ctrlPr>
                       </m:sSupPr>
@@ -5402,7 +6042,7 @@
                       <m:sSupPr>
                         <m:ctrlPr>
                           <a:rPr lang="en-US" i="1">
-                            <a:latin typeface="Cambria Math"/>
+                            <a:latin typeface="Cambria Math" panose="02040503050406030204" pitchFamily="18" charset="0"/>
                           </a:rPr>
                         </m:ctrlPr>
                       </m:sSupPr>
@@ -5483,7 +6123,7 @@
                       <m:sSubPr>
                         <m:ctrlPr>
                           <a:rPr lang="en-US" i="1">
-                            <a:latin typeface="Cambria Math"/>
+                            <a:latin typeface="Cambria Math" panose="02040503050406030204" pitchFamily="18" charset="0"/>
                           </a:rPr>
                         </m:ctrlPr>
                       </m:sSubPr>
@@ -5514,7 +6154,7 @@
                       <m:sSubPr>
                         <m:ctrlPr>
                           <a:rPr lang="en-US" i="1">
-                            <a:latin typeface="Cambria Math"/>
+                            <a:latin typeface="Cambria Math" panose="02040503050406030204" pitchFamily="18" charset="0"/>
                           </a:rPr>
                         </m:ctrlPr>
                       </m:sSubPr>
@@ -5565,7 +6205,7 @@
                       <m:sSubPr>
                         <m:ctrlPr>
                           <a:rPr lang="en-US" i="1">
-                            <a:latin typeface="Cambria Math"/>
+                            <a:latin typeface="Cambria Math" panose="02040503050406030204" pitchFamily="18" charset="0"/>
                           </a:rPr>
                         </m:ctrlPr>
                       </m:sSubPr>
@@ -5596,7 +6236,7 @@
                       <m:sSubPr>
                         <m:ctrlPr>
                           <a:rPr lang="en-US" i="1">
-                            <a:latin typeface="Cambria Math"/>
+                            <a:latin typeface="Cambria Math" panose="02040503050406030204" pitchFamily="18" charset="0"/>
                           </a:rPr>
                         </m:ctrlPr>
                       </m:sSubPr>
@@ -5647,7 +6287,7 @@
                       <m:sSubPr>
                         <m:ctrlPr>
                           <a:rPr lang="en-US" i="1">
-                            <a:latin typeface="Cambria Math"/>
+                            <a:latin typeface="Cambria Math" panose="02040503050406030204" pitchFamily="18" charset="0"/>
                           </a:rPr>
                         </m:ctrlPr>
                       </m:sSubPr>
@@ -5680,7 +6320,7 @@
                       <m:sSubPr>
                         <m:ctrlPr>
                           <a:rPr lang="en-US" i="1">
-                            <a:latin typeface="Cambria Math"/>
+                            <a:latin typeface="Cambria Math" panose="02040503050406030204" pitchFamily="18" charset="0"/>
                           </a:rPr>
                         </m:ctrlPr>
                       </m:sSubPr>
@@ -5767,17 +6407,10 @@
   <p:clrMapOvr>
     <a:masterClrMapping/>
   </p:clrMapOvr>
-  <p:timing>
-    <p:tnLst>
-      <p:par>
-        <p:cTn id="1" dur="indefinite" restart="never" nodeType="tmRoot"/>
-      </p:par>
-    </p:tnLst>
-  </p:timing>
 </p:sld>
 </file>
 
-<file path=ppt/slides/slide18.xml><?xml version="1.0" encoding="utf-8"?>
+<file path=ppt/slides/slide22.xml><?xml version="1.0" encoding="utf-8"?>
 <p:sld xmlns:a="http://schemas.openxmlformats.org/drawingml/2006/main" xmlns:r="http://schemas.openxmlformats.org/officeDocument/2006/relationships" xmlns:p="http://schemas.openxmlformats.org/presentationml/2006/main">
   <p:cSld>
     <p:spTree>
@@ -5812,7 +6445,7 @@
           <a:lstStyle/>
           <a:p>
             <a:r>
-              <a:rPr lang="ru-RU" sz="3200" dirty="0" smtClean="0"/>
+              <a:rPr lang="ru-RU" sz="3200" dirty="0"/>
               <a:t>Разбор задачи №2</a:t>
             </a:r>
             <a:endParaRPr lang="en-US" sz="3200" dirty="0"/>
@@ -5837,15 +6470,14 @@
               </a:ext>
             </a:extLst>
           </a:blip>
-          <a:srcRect/>
           <a:stretch>
             <a:fillRect/>
           </a:stretch>
         </p:blipFill>
         <p:spPr bwMode="auto">
           <a:xfrm>
-            <a:off x="152400" y="2438400"/>
-            <a:ext cx="8769703" cy="3352800"/>
+            <a:off x="221582" y="2438400"/>
+            <a:ext cx="8631338" cy="3352800"/>
           </a:xfrm>
           <a:prstGeom prst="rect">
             <a:avLst/>
@@ -5885,17 +6517,10 @@
   <p:clrMapOvr>
     <a:masterClrMapping/>
   </p:clrMapOvr>
-  <p:timing>
-    <p:tnLst>
-      <p:par>
-        <p:cTn id="1" dur="indefinite" restart="never" nodeType="tmRoot"/>
-      </p:par>
-    </p:tnLst>
-  </p:timing>
 </p:sld>
 </file>
 
-<file path=ppt/slides/slide19.xml><?xml version="1.0" encoding="utf-8"?>
+<file path=ppt/slides/slide23.xml><?xml version="1.0" encoding="utf-8"?>
 <p:sld xmlns:a="http://schemas.openxmlformats.org/drawingml/2006/main" xmlns:r="http://schemas.openxmlformats.org/officeDocument/2006/relationships" xmlns:p="http://schemas.openxmlformats.org/presentationml/2006/main">
   <p:cSld>
     <p:spTree>
@@ -5930,14 +6555,13 @@
           <a:lstStyle/>
           <a:p>
             <a:r>
-              <a:rPr lang="ru-RU" sz="3200" dirty="0" smtClean="0"/>
+              <a:rPr lang="ru-RU" sz="3200" dirty="0"/>
               <a:t>Задача №</a:t>
             </a:r>
             <a:r>
-              <a:rPr lang="en-US" sz="3200" dirty="0" smtClean="0"/>
+              <a:rPr lang="en-US" sz="3200" dirty="0"/>
               <a:t>3</a:t>
             </a:r>
-            <a:endParaRPr lang="en-US" sz="3200" dirty="0"/>
           </a:p>
         </p:txBody>
       </p:sp>
@@ -5966,10 +6590,6 @@
                 <a:r>
                   <a:rPr lang="en-US" dirty="0"/>
                   <a:t> </a:t>
-                </a:r>
-                <a:r>
-                  <a:rPr lang="ru-RU" dirty="0"/>
-                  <a:t/>
                 </a:r>
                 <a:br>
                   <a:rPr lang="ru-RU" dirty="0"/>
@@ -6099,17 +6719,10 @@
   <p:clrMapOvr>
     <a:masterClrMapping/>
   </p:clrMapOvr>
-  <p:timing>
-    <p:tnLst>
-      <p:par>
-        <p:cTn id="1" dur="indefinite" restart="never" nodeType="tmRoot"/>
-      </p:par>
-    </p:tnLst>
-  </p:timing>
 </p:sld>
 </file>
 
-<file path=ppt/slides/slide2.xml><?xml version="1.0" encoding="utf-8"?>
+<file path=ppt/slides/slide24.xml><?xml version="1.0" encoding="utf-8"?>
 <p:sld xmlns:a="http://schemas.openxmlformats.org/drawingml/2006/main" xmlns:r="http://schemas.openxmlformats.org/officeDocument/2006/relationships" xmlns:p="http://schemas.openxmlformats.org/presentationml/2006/main">
   <p:cSld>
     <p:spTree>
@@ -6138,204 +6751,13 @@
         </p:nvSpPr>
         <p:spPr/>
         <p:txBody>
-          <a:bodyPr/>
-          <a:lstStyle/>
-          <a:p>
-            <a:r>
-              <a:rPr lang="ru-RU" dirty="0" smtClean="0"/>
-              <a:t>Введение</a:t>
-            </a:r>
-            <a:endParaRPr lang="en-US" dirty="0"/>
-          </a:p>
-        </p:txBody>
-      </p:sp>
-      <p:sp>
-        <p:nvSpPr>
-          <p:cNvPr id="3" name="Объект 2"/>
-          <p:cNvSpPr>
-            <a:spLocks noGrp="1"/>
-          </p:cNvSpPr>
-          <p:nvPr>
-            <p:ph idx="1"/>
-          </p:nvPr>
-        </p:nvSpPr>
-        <p:spPr/>
-        <p:txBody>
-          <a:bodyPr>
-            <a:normAutofit fontScale="92500" lnSpcReduction="10000"/>
-          </a:bodyPr>
-          <a:lstStyle/>
-          <a:p>
-            <a:r>
-              <a:rPr lang="en-US" dirty="0" err="1"/>
-              <a:t>TestMaker</a:t>
-            </a:r>
-            <a:r>
-              <a:rPr lang="ru-RU" dirty="0"/>
-              <a:t> – библиотека, предоставляющая интерфейсы генерации различных тестов для олимпиад и домашних заданий.  </a:t>
-            </a:r>
-            <a:endParaRPr lang="ru-RU" dirty="0" smtClean="0"/>
-          </a:p>
-          <a:p>
-            <a:pPr marL="800100" lvl="1" indent="-342900"/>
-            <a:r>
-              <a:rPr lang="ru-RU" dirty="0" smtClean="0"/>
-              <a:t>Реализована </a:t>
-            </a:r>
-            <a:r>
-              <a:rPr lang="ru-RU" dirty="0"/>
-              <a:t>на языке С++. </a:t>
-            </a:r>
-            <a:endParaRPr lang="ru-RU" dirty="0" smtClean="0"/>
-          </a:p>
-          <a:p>
-            <a:pPr marL="800100" lvl="1" indent="-342900"/>
-            <a:r>
-              <a:rPr lang="ru-RU" dirty="0" smtClean="0"/>
-              <a:t>Были </a:t>
-            </a:r>
-            <a:r>
-              <a:rPr lang="ru-RU" dirty="0"/>
-              <a:t>использованы многие шаблоны проектирования, </a:t>
-            </a:r>
-            <a:r>
-              <a:rPr lang="ru-RU" dirty="0" smtClean="0"/>
-              <a:t>алгоритмы.</a:t>
-            </a:r>
-          </a:p>
-          <a:p>
-            <a:pPr marL="800100" lvl="1" indent="-342900"/>
-            <a:r>
-              <a:rPr lang="ru-RU" dirty="0" smtClean="0"/>
-              <a:t>Работа </a:t>
-            </a:r>
-            <a:r>
-              <a:rPr lang="ru-RU" dirty="0"/>
-              <a:t>в нескольких потоках. </a:t>
-            </a:r>
-            <a:endParaRPr lang="en-US" dirty="0"/>
-          </a:p>
-          <a:p>
-            <a:r>
-              <a:rPr lang="ru-RU" dirty="0"/>
-              <a:t>Библиотека предоставляет </a:t>
-            </a:r>
-            <a:r>
-              <a:rPr lang="ru-RU" dirty="0" smtClean="0"/>
-              <a:t>инструменты: </a:t>
-            </a:r>
-          </a:p>
-          <a:p>
-            <a:pPr marL="800100" lvl="1" indent="-342900"/>
-            <a:r>
-              <a:rPr lang="ru-RU" dirty="0" smtClean="0"/>
-              <a:t>Диапазоны значений</a:t>
-            </a:r>
-          </a:p>
-          <a:p>
-            <a:pPr marL="800100" lvl="1" indent="-342900"/>
-            <a:r>
-              <a:rPr lang="ru-RU" dirty="0" smtClean="0"/>
-              <a:t>Массивы </a:t>
-            </a:r>
-            <a:r>
-              <a:rPr lang="ru-RU" dirty="0"/>
-              <a:t>на </a:t>
-            </a:r>
-            <a:r>
-              <a:rPr lang="ru-RU" dirty="0" smtClean="0"/>
-              <a:t>диапазонах</a:t>
-            </a:r>
-          </a:p>
-          <a:p>
-            <a:pPr marL="800100" lvl="1" indent="-342900"/>
-            <a:r>
-              <a:rPr lang="ru-RU" dirty="0" smtClean="0"/>
-              <a:t>Случайные графы</a:t>
-            </a:r>
-          </a:p>
-          <a:p>
-            <a:pPr marL="800100" lvl="1" indent="-342900"/>
-            <a:r>
-              <a:rPr lang="ru-RU" dirty="0" smtClean="0"/>
-              <a:t>Регулярные </a:t>
-            </a:r>
-            <a:r>
-              <a:rPr lang="ru-RU" dirty="0"/>
-              <a:t>выражения </a:t>
-            </a:r>
-            <a:endParaRPr lang="ru-RU" dirty="0" smtClean="0"/>
-          </a:p>
-          <a:p>
-            <a:pPr marL="800100" lvl="1" indent="-342900"/>
-            <a:r>
-              <a:rPr lang="ru-RU" dirty="0" smtClean="0"/>
-              <a:t>И </a:t>
-            </a:r>
-            <a:r>
-              <a:rPr lang="ru-RU" dirty="0"/>
-              <a:t>многое другое. </a:t>
-            </a:r>
-            <a:endParaRPr lang="en-US" dirty="0"/>
-          </a:p>
-        </p:txBody>
-      </p:sp>
-    </p:spTree>
-    <p:extLst>
-      <p:ext uri="{BB962C8B-B14F-4D97-AF65-F5344CB8AC3E}">
-        <p14:creationId xmlns:p14="http://schemas.microsoft.com/office/powerpoint/2010/main" val="3751621880"/>
-      </p:ext>
-    </p:extLst>
-  </p:cSld>
-  <p:clrMapOvr>
-    <a:masterClrMapping/>
-  </p:clrMapOvr>
-  <p:timing>
-    <p:tnLst>
-      <p:par>
-        <p:cTn id="1" dur="indefinite" restart="never" nodeType="tmRoot"/>
-      </p:par>
-    </p:tnLst>
-  </p:timing>
-</p:sld>
-</file>
-
-<file path=ppt/slides/slide20.xml><?xml version="1.0" encoding="utf-8"?>
-<p:sld xmlns:a="http://schemas.openxmlformats.org/drawingml/2006/main" xmlns:r="http://schemas.openxmlformats.org/officeDocument/2006/relationships" xmlns:p="http://schemas.openxmlformats.org/presentationml/2006/main">
-  <p:cSld>
-    <p:spTree>
-      <p:nvGrpSpPr>
-        <p:cNvPr id="1" name=""/>
-        <p:cNvGrpSpPr/>
-        <p:nvPr/>
-      </p:nvGrpSpPr>
-      <p:grpSpPr>
-        <a:xfrm>
-          <a:off x="0" y="0"/>
-          <a:ext cx="0" cy="0"/>
-          <a:chOff x="0" y="0"/>
-          <a:chExt cx="0" cy="0"/>
-        </a:xfrm>
-      </p:grpSpPr>
-      <p:sp>
-        <p:nvSpPr>
-          <p:cNvPr id="2" name="Заголовок 1"/>
-          <p:cNvSpPr>
-            <a:spLocks noGrp="1"/>
-          </p:cNvSpPr>
-          <p:nvPr>
-            <p:ph type="title"/>
-          </p:nvPr>
-        </p:nvSpPr>
-        <p:spPr/>
-        <p:txBody>
           <a:bodyPr>
             <a:normAutofit/>
           </a:bodyPr>
           <a:lstStyle/>
           <a:p>
             <a:r>
-              <a:rPr lang="ru-RU" sz="3200" dirty="0" smtClean="0"/>
+              <a:rPr lang="ru-RU" sz="3200" dirty="0"/>
               <a:t>Разбор задачи №3 </a:t>
             </a:r>
             <a:endParaRPr lang="en-US" sz="3200" dirty="0"/>
@@ -6360,15 +6782,14 @@
               </a:ext>
             </a:extLst>
           </a:blip>
-          <a:srcRect/>
           <a:stretch>
             <a:fillRect/>
           </a:stretch>
         </p:blipFill>
         <p:spPr bwMode="auto">
           <a:xfrm>
-            <a:off x="557212" y="3682206"/>
-            <a:ext cx="7419975" cy="514350"/>
+            <a:off x="342715" y="3045222"/>
+            <a:ext cx="8458570" cy="767556"/>
           </a:xfrm>
           <a:prstGeom prst="rect">
             <a:avLst/>
@@ -6408,17 +6829,10 @@
   <p:clrMapOvr>
     <a:masterClrMapping/>
   </p:clrMapOvr>
-  <p:timing>
-    <p:tnLst>
-      <p:par>
-        <p:cTn id="1" dur="indefinite" restart="never" nodeType="tmRoot"/>
-      </p:par>
-    </p:tnLst>
-  </p:timing>
 </p:sld>
 </file>
 
-<file path=ppt/slides/slide21.xml><?xml version="1.0" encoding="utf-8"?>
+<file path=ppt/slides/slide25.xml><?xml version="1.0" encoding="utf-8"?>
 <p:sld xmlns:a="http://schemas.openxmlformats.org/drawingml/2006/main" xmlns:r="http://schemas.openxmlformats.org/officeDocument/2006/relationships" xmlns:p="http://schemas.openxmlformats.org/presentationml/2006/main">
   <p:cSld>
     <p:spTree>
@@ -6451,7 +6865,7 @@
           <a:lstStyle/>
           <a:p>
             <a:r>
-              <a:rPr lang="ru-RU" dirty="0" smtClean="0"/>
+              <a:rPr lang="ru-RU" dirty="0"/>
               <a:t>Олимпиады</a:t>
             </a:r>
             <a:endParaRPr lang="en-US" dirty="0"/>
@@ -6475,35 +6889,26 @@
           <a:p>
             <a:r>
               <a:rPr lang="ru-RU" dirty="0"/>
-              <a:t>16-ого сентября 2017 </a:t>
-            </a:r>
-            <a:r>
-              <a:rPr lang="ru-RU" dirty="0" smtClean="0"/>
-              <a:t>года была проведена олимпиада</a:t>
-            </a:r>
-            <a:r>
-              <a:rPr lang="en-US" dirty="0" smtClean="0"/>
+              <a:t>16-ого сентября 2017 года была проведена олимпиада</a:t>
+            </a:r>
+            <a:r>
+              <a:rPr lang="en-US" dirty="0"/>
               <a:t> </a:t>
             </a:r>
             <a:r>
-              <a:rPr lang="ru-RU" dirty="0" smtClean="0"/>
+              <a:rPr lang="ru-RU" dirty="0"/>
               <a:t>с использованием данной библиотеки. </a:t>
             </a:r>
           </a:p>
           <a:p>
             <a:r>
-              <a:rPr lang="ru-RU" dirty="0" smtClean="0"/>
-              <a:t>В дальнейшем планируются проводиться олимпиады для университета с помощью </a:t>
-            </a:r>
-            <a:r>
-              <a:rPr lang="en-US" dirty="0" err="1" smtClean="0"/>
-              <a:t>TestMaker</a:t>
-            </a:r>
-            <a:r>
-              <a:rPr lang="en-US" dirty="0" smtClean="0"/>
+              <a:rPr lang="ru-RU" dirty="0"/>
+              <a:t>В дальнейшем также будут проводиться олимпиады для университета с помощью данной библиотеки</a:t>
+            </a:r>
+            <a:r>
+              <a:rPr lang="en-US" dirty="0"/>
               <a:t>.</a:t>
             </a:r>
-            <a:endParaRPr lang="en-US" dirty="0"/>
           </a:p>
         </p:txBody>
       </p:sp>
@@ -6517,17 +6922,10 @@
   <p:clrMapOvr>
     <a:masterClrMapping/>
   </p:clrMapOvr>
-  <p:timing>
-    <p:tnLst>
-      <p:par>
-        <p:cTn id="1" dur="indefinite" restart="never" nodeType="tmRoot"/>
-      </p:par>
-    </p:tnLst>
-  </p:timing>
 </p:sld>
 </file>
 
-<file path=ppt/slides/slide22.xml><?xml version="1.0" encoding="utf-8"?>
+<file path=ppt/slides/slide26.xml><?xml version="1.0" encoding="utf-8"?>
 <p:sld xmlns:a="http://schemas.openxmlformats.org/drawingml/2006/main" xmlns:r="http://schemas.openxmlformats.org/officeDocument/2006/relationships" xmlns:p="http://schemas.openxmlformats.org/presentationml/2006/main">
   <p:cSld>
     <p:spTree>
@@ -6556,6 +6954,162 @@
         </p:nvSpPr>
         <p:spPr>
           <a:xfrm>
+            <a:off x="457200" y="152718"/>
+            <a:ext cx="6705600" cy="1371600"/>
+          </a:xfrm>
+        </p:spPr>
+        <p:txBody>
+          <a:bodyPr/>
+          <a:lstStyle/>
+          <a:p>
+            <a:r>
+              <a:rPr lang="ru-RU" dirty="0"/>
+              <a:t>Немного статистики</a:t>
+            </a:r>
+            <a:endParaRPr lang="en-US" dirty="0"/>
+          </a:p>
+        </p:txBody>
+      </p:sp>
+      <p:sp>
+        <p:nvSpPr>
+          <p:cNvPr id="3" name="Объект 2"/>
+          <p:cNvSpPr>
+            <a:spLocks noGrp="1"/>
+          </p:cNvSpPr>
+          <p:nvPr>
+            <p:ph idx="1"/>
+          </p:nvPr>
+        </p:nvSpPr>
+        <p:spPr/>
+        <p:txBody>
+          <a:bodyPr>
+            <a:normAutofit/>
+          </a:bodyPr>
+          <a:lstStyle/>
+          <a:p>
+            <a:pPr marL="342900" indent="-342900">
+              <a:buFont typeface="Arial" panose="020B0604020202020204" pitchFamily="34" charset="0"/>
+              <a:buChar char="•"/>
+            </a:pPr>
+            <a:r>
+              <a:rPr lang="ru-RU" sz="1800" dirty="0"/>
+              <a:t>Библиотека разрабатывалась в течение более двух лет, начиная с января 2016-ого года.</a:t>
+            </a:r>
+          </a:p>
+          <a:p>
+            <a:pPr marL="342900" indent="-342900">
+              <a:buFont typeface="Arial" panose="020B0604020202020204" pitchFamily="34" charset="0"/>
+              <a:buChar char="•"/>
+            </a:pPr>
+            <a:r>
+              <a:rPr lang="ru-RU" sz="1800" dirty="0"/>
+              <a:t>Библиотека насчитывает около 4000 строк кода.</a:t>
+            </a:r>
+          </a:p>
+          <a:p>
+            <a:pPr marL="342900" indent="-342900">
+              <a:buFont typeface="Arial" panose="020B0604020202020204" pitchFamily="34" charset="0"/>
+              <a:buChar char="•"/>
+            </a:pPr>
+            <a:r>
+              <a:rPr lang="ru-RU" sz="1800" dirty="0"/>
+              <a:t>Библиотека полностью переписывалась три раза</a:t>
+            </a:r>
+          </a:p>
+          <a:p>
+            <a:pPr marL="342900" indent="-342900">
+              <a:buFont typeface="Arial" panose="020B0604020202020204" pitchFamily="34" charset="0"/>
+              <a:buChar char="•"/>
+            </a:pPr>
+            <a:r>
+              <a:rPr lang="ru-RU" sz="1800" dirty="0"/>
+              <a:t>В библиотеке используется 4 шаблона проектирования: Строитель, Компоновщик, Прототип, Стратегия.</a:t>
+            </a:r>
+          </a:p>
+          <a:p>
+            <a:pPr marL="342900" indent="-342900">
+              <a:buFont typeface="Arial" panose="020B0604020202020204" pitchFamily="34" charset="0"/>
+              <a:buChar char="•"/>
+            </a:pPr>
+            <a:r>
+              <a:rPr lang="ru-RU" sz="1800" dirty="0"/>
+              <a:t>Класс </a:t>
+            </a:r>
+            <a:r>
+              <a:rPr lang="en-US" sz="1800" dirty="0"/>
+              <a:t>Graph </a:t>
+            </a:r>
+            <a:r>
+              <a:rPr lang="ru-RU" sz="1800" dirty="0"/>
+              <a:t>был оставлен на самый конец, потому что не было идей, как написать его хорошо.</a:t>
+            </a:r>
+            <a:r>
+              <a:rPr lang="en-US" sz="1800" dirty="0"/>
+              <a:t> </a:t>
+            </a:r>
+            <a:r>
+              <a:rPr lang="ru-RU" sz="1800" dirty="0"/>
+              <a:t>В итоге он оказался самым объемным классом – 700 строк и переписывался 5 раз.</a:t>
+            </a:r>
+          </a:p>
+          <a:p>
+            <a:pPr marL="342900" indent="-342900">
+              <a:buFont typeface="Arial" panose="020B0604020202020204" pitchFamily="34" charset="0"/>
+              <a:buChar char="•"/>
+            </a:pPr>
+            <a:endParaRPr lang="en-US" sz="1800" dirty="0"/>
+          </a:p>
+          <a:p>
+            <a:pPr marL="342900" indent="-342900">
+              <a:buFont typeface="Arial" panose="020B0604020202020204" pitchFamily="34" charset="0"/>
+              <a:buChar char="•"/>
+            </a:pPr>
+            <a:endParaRPr lang="en-US" sz="1800" dirty="0"/>
+          </a:p>
+        </p:txBody>
+      </p:sp>
+    </p:spTree>
+    <p:extLst>
+      <p:ext uri="{BB962C8B-B14F-4D97-AF65-F5344CB8AC3E}">
+        <p14:creationId xmlns:p14="http://schemas.microsoft.com/office/powerpoint/2010/main" val="997803551"/>
+      </p:ext>
+    </p:extLst>
+  </p:cSld>
+  <p:clrMapOvr>
+    <a:masterClrMapping/>
+  </p:clrMapOvr>
+</p:sld>
+</file>
+
+<file path=ppt/slides/slide27.xml><?xml version="1.0" encoding="utf-8"?>
+<p:sld xmlns:a="http://schemas.openxmlformats.org/drawingml/2006/main" xmlns:r="http://schemas.openxmlformats.org/officeDocument/2006/relationships" xmlns:p="http://schemas.openxmlformats.org/presentationml/2006/main">
+  <p:cSld>
+    <p:spTree>
+      <p:nvGrpSpPr>
+        <p:cNvPr id="1" name=""/>
+        <p:cNvGrpSpPr/>
+        <p:nvPr/>
+      </p:nvGrpSpPr>
+      <p:grpSpPr>
+        <a:xfrm>
+          <a:off x="0" y="0"/>
+          <a:ext cx="0" cy="0"/>
+          <a:chOff x="0" y="0"/>
+          <a:chExt cx="0" cy="0"/>
+        </a:xfrm>
+      </p:grpSpPr>
+      <p:sp>
+        <p:nvSpPr>
+          <p:cNvPr id="2" name="Заголовок 1"/>
+          <p:cNvSpPr>
+            <a:spLocks noGrp="1"/>
+          </p:cNvSpPr>
+          <p:nvPr>
+            <p:ph type="title"/>
+          </p:nvPr>
+        </p:nvSpPr>
+        <p:spPr>
+          <a:xfrm>
             <a:off x="685800" y="4572000"/>
             <a:ext cx="7543800" cy="1371600"/>
           </a:xfrm>
@@ -6567,58 +7121,42 @@
           <a:lstStyle/>
           <a:p>
             <a:r>
-              <a:rPr lang="ru-RU" dirty="0" smtClean="0"/>
+              <a:rPr lang="ru-RU" dirty="0"/>
               <a:t>Благодарю за внимание</a:t>
-            </a:r>
-            <a:br>
-              <a:rPr lang="ru-RU" dirty="0" smtClean="0"/>
-            </a:br>
-            <a:r>
-              <a:rPr lang="ru-RU" dirty="0"/>
-              <a:t/>
             </a:r>
             <a:br>
               <a:rPr lang="ru-RU" dirty="0"/>
             </a:br>
-            <a:r>
-              <a:rPr lang="ru-RU" dirty="0" smtClean="0"/>
-              <a:t/>
-            </a:r>
-            <a:br>
-              <a:rPr lang="ru-RU" dirty="0" smtClean="0"/>
-            </a:br>
-            <a:r>
-              <a:rPr lang="ru-RU" dirty="0"/>
-              <a:t/>
-            </a:r>
             <a:br>
               <a:rPr lang="ru-RU" dirty="0"/>
             </a:br>
-            <a:r>
-              <a:rPr lang="ru-RU" dirty="0" smtClean="0"/>
-              <a:t/>
-            </a:r>
             <a:br>
-              <a:rPr lang="ru-RU" dirty="0" smtClean="0"/>
+              <a:rPr lang="ru-RU" dirty="0"/>
             </a:br>
-            <a:r>
-              <a:rPr lang="ru-RU" sz="1100" dirty="0" smtClean="0"/>
+            <a:br>
+              <a:rPr lang="ru-RU" dirty="0"/>
+            </a:br>
+            <a:br>
+              <a:rPr lang="ru-RU" dirty="0"/>
+            </a:br>
+            <a:r>
+              <a:rPr lang="ru-RU" sz="1600" dirty="0"/>
               <a:t>Ссылка на исходные коды: </a:t>
             </a:r>
             <a:r>
-              <a:rPr lang="en-US" sz="1100" dirty="0" smtClean="0"/>
+              <a:rPr lang="en-US" sz="1600" dirty="0"/>
               <a:t>github.com//</a:t>
             </a:r>
             <a:r>
-              <a:rPr lang="en-US" sz="1100" dirty="0" err="1" smtClean="0"/>
+              <a:rPr lang="en-US" sz="1600" dirty="0" err="1"/>
               <a:t>levonog</a:t>
             </a:r>
             <a:r>
-              <a:rPr lang="en-US" sz="1100" dirty="0" smtClean="0"/>
+              <a:rPr lang="en-US" sz="1600" dirty="0"/>
               <a:t>/</a:t>
             </a:r>
             <a:r>
-              <a:rPr lang="en-US" sz="1100" dirty="0" err="1" smtClean="0"/>
+              <a:rPr lang="en-US" sz="1600" dirty="0" err="1"/>
               <a:t>TestMaker</a:t>
             </a:r>
             <a:endParaRPr lang="en-US" dirty="0"/>
@@ -6635,13 +7173,6 @@
   <p:clrMapOvr>
     <a:masterClrMapping/>
   </p:clrMapOvr>
-  <p:timing>
-    <p:tnLst>
-      <p:par>
-        <p:cTn id="1" dur="indefinite" restart="never" nodeType="tmRoot"/>
-      </p:par>
-    </p:tnLst>
-  </p:timing>
 </p:sld>
 </file>
 
@@ -6672,21 +7203,388 @@
             <p:ph type="title"/>
           </p:nvPr>
         </p:nvSpPr>
+        <p:spPr>
+          <a:xfrm>
+            <a:off x="457200" y="152718"/>
+            <a:ext cx="8077200" cy="1371600"/>
+          </a:xfrm>
+        </p:spPr>
+        <p:txBody>
+          <a:bodyPr>
+            <a:normAutofit/>
+          </a:bodyPr>
+          <a:lstStyle/>
+          <a:p>
+            <a:r>
+              <a:rPr lang="ru-RU" sz="3200" dirty="0"/>
+              <a:t>Что такое диапазон значений</a:t>
+            </a:r>
+            <a:endParaRPr lang="en-US" sz="3200" dirty="0"/>
+          </a:p>
+        </p:txBody>
+      </p:sp>
+      <mc:AlternateContent xmlns:mc="http://schemas.openxmlformats.org/markup-compatibility/2006">
+        <mc:Choice xmlns:a14="http://schemas.microsoft.com/office/drawing/2010/main" Requires="a14">
+          <p:sp>
+            <p:nvSpPr>
+              <p:cNvPr id="3" name="Объект 2"/>
+              <p:cNvSpPr>
+                <a:spLocks noGrp="1"/>
+              </p:cNvSpPr>
+              <p:nvPr>
+                <p:ph idx="1"/>
+              </p:nvPr>
+            </p:nvSpPr>
+            <p:spPr/>
+            <p:txBody>
+              <a:bodyPr>
+                <a:normAutofit/>
+              </a:bodyPr>
+              <a:lstStyle/>
+              <a:p>
+                <a:r>
+                  <a:rPr lang="ru-RU" dirty="0"/>
+                  <a:t>Диапазон значений – термин формулировок задач по информатики. Это пространство всех допустимых значений входных данных, с которыми задача должна быть решена.</a:t>
+                </a:r>
+              </a:p>
+              <a:p>
+                <a:r>
+                  <a:rPr lang="ru-RU" dirty="0"/>
+                  <a:t>Например:</a:t>
+                </a:r>
+              </a:p>
+              <a:p>
+                <a:pPr marL="342900" indent="-342900">
+                  <a:buFont typeface="Arial" panose="020B0604020202020204" pitchFamily="34" charset="0"/>
+                  <a:buChar char="•"/>
+                </a:pPr>
+                <a:r>
+                  <a:rPr lang="ru-RU" dirty="0"/>
+                  <a:t>Дано число </a:t>
+                </a:r>
+                <a:r>
+                  <a:rPr lang="en-US" dirty="0"/>
+                  <a:t>n </a:t>
+                </a:r>
+                <a14:m>
+                  <m:oMath xmlns:m="http://schemas.openxmlformats.org/officeDocument/2006/math">
+                    <m:r>
+                      <a:rPr lang="en-US" b="1" i="1" dirty="0" smtClean="0">
+                        <a:latin typeface="Cambria Math" panose="02040503050406030204" pitchFamily="18" charset="0"/>
+                      </a:rPr>
+                      <m:t>(</m:t>
+                    </m:r>
+                    <m:r>
+                      <a:rPr lang="en-US" b="1" i="1" dirty="0" smtClean="0">
+                        <a:latin typeface="Cambria Math" panose="02040503050406030204" pitchFamily="18" charset="0"/>
+                      </a:rPr>
+                      <m:t>𝟎</m:t>
+                    </m:r>
+                    <m:r>
+                      <a:rPr lang="en-US" b="1" i="1" dirty="0" smtClean="0">
+                        <a:latin typeface="Cambria Math" panose="02040503050406030204" pitchFamily="18" charset="0"/>
+                      </a:rPr>
+                      <m:t> ≤</m:t>
+                    </m:r>
+                    <m:r>
+                      <a:rPr lang="en-US" b="1" i="1" dirty="0" smtClean="0">
+                        <a:latin typeface="Cambria Math" panose="02040503050406030204" pitchFamily="18" charset="0"/>
+                      </a:rPr>
+                      <m:t>𝒏</m:t>
+                    </m:r>
+                    <m:r>
+                      <a:rPr lang="en-US" b="1" i="1" dirty="0" smtClean="0">
+                        <a:latin typeface="Cambria Math" panose="02040503050406030204" pitchFamily="18" charset="0"/>
+                      </a:rPr>
+                      <m:t> ≤ </m:t>
+                    </m:r>
+                    <m:r>
+                      <a:rPr lang="en-US" b="1" i="1" dirty="0" smtClean="0">
+                        <a:latin typeface="Cambria Math" panose="02040503050406030204" pitchFamily="18" charset="0"/>
+                      </a:rPr>
+                      <m:t>𝟏</m:t>
+                    </m:r>
+                    <m:sSup>
+                      <m:sSupPr>
+                        <m:ctrlPr>
+                          <a:rPr lang="en-US" b="1" i="1" dirty="0" smtClean="0">
+                            <a:latin typeface="Cambria Math" panose="02040503050406030204" pitchFamily="18" charset="0"/>
+                          </a:rPr>
+                        </m:ctrlPr>
+                      </m:sSupPr>
+                      <m:e>
+                        <m:r>
+                          <a:rPr lang="en-US" b="1" i="1" dirty="0" smtClean="0">
+                            <a:latin typeface="Cambria Math" panose="02040503050406030204" pitchFamily="18" charset="0"/>
+                          </a:rPr>
+                          <m:t>𝟎</m:t>
+                        </m:r>
+                      </m:e>
+                      <m:sup>
+                        <m:r>
+                          <a:rPr lang="en-US" b="1" i="1" dirty="0" smtClean="0">
+                            <a:latin typeface="Cambria Math" panose="02040503050406030204" pitchFamily="18" charset="0"/>
+                          </a:rPr>
+                          <m:t>𝟗</m:t>
+                        </m:r>
+                      </m:sup>
+                    </m:sSup>
+                    <m:r>
+                      <a:rPr lang="en-US" b="1" i="1" dirty="0" smtClean="0">
+                        <a:latin typeface="Cambria Math" panose="02040503050406030204" pitchFamily="18" charset="0"/>
+                      </a:rPr>
+                      <m:t>)</m:t>
+                    </m:r>
+                  </m:oMath>
+                </a14:m>
+                <a:endParaRPr lang="en-US" dirty="0"/>
+              </a:p>
+              <a:p>
+                <a:pPr marL="342900" indent="-342900">
+                  <a:buFont typeface="Arial" panose="020B0604020202020204" pitchFamily="34" charset="0"/>
+                  <a:buChar char="•"/>
+                </a:pPr>
+                <a:r>
+                  <a:rPr lang="ru-RU" dirty="0"/>
+                  <a:t>Дан массив длины </a:t>
+                </a:r>
+                <a:r>
+                  <a:rPr lang="en-US" dirty="0"/>
+                  <a:t>k </a:t>
+                </a:r>
+                <a14:m>
+                  <m:oMath xmlns:m="http://schemas.openxmlformats.org/officeDocument/2006/math">
+                    <m:r>
+                      <a:rPr lang="en-US" i="1" dirty="0">
+                        <a:latin typeface="Cambria Math" panose="02040503050406030204" pitchFamily="18" charset="0"/>
+                      </a:rPr>
+                      <m:t>(</m:t>
+                    </m:r>
+                    <m:r>
+                      <a:rPr lang="en-US" i="1" dirty="0">
+                        <a:latin typeface="Cambria Math" panose="02040503050406030204" pitchFamily="18" charset="0"/>
+                      </a:rPr>
+                      <m:t>𝟎</m:t>
+                    </m:r>
+                    <m:r>
+                      <a:rPr lang="en-US" b="1" i="1" dirty="0" smtClean="0">
+                        <a:latin typeface="Cambria Math" panose="02040503050406030204" pitchFamily="18" charset="0"/>
+                      </a:rPr>
+                      <m:t>&lt;</m:t>
+                    </m:r>
+                    <m:r>
+                      <a:rPr lang="en-US" i="1" dirty="0">
+                        <a:latin typeface="Cambria Math" panose="02040503050406030204" pitchFamily="18" charset="0"/>
+                      </a:rPr>
+                      <m:t>𝒌</m:t>
+                    </m:r>
+                    <m:r>
+                      <a:rPr lang="en-US" i="1" dirty="0">
+                        <a:latin typeface="Cambria Math" panose="02040503050406030204" pitchFamily="18" charset="0"/>
+                      </a:rPr>
+                      <m:t> ≤ </m:t>
+                    </m:r>
+                    <m:r>
+                      <a:rPr lang="en-US" i="1" dirty="0">
+                        <a:latin typeface="Cambria Math" panose="02040503050406030204" pitchFamily="18" charset="0"/>
+                      </a:rPr>
+                      <m:t>𝟏</m:t>
+                    </m:r>
+                    <m:sSup>
+                      <m:sSupPr>
+                        <m:ctrlPr>
+                          <a:rPr lang="en-US" b="1" i="1" dirty="0" smtClean="0">
+                            <a:latin typeface="Cambria Math" panose="02040503050406030204" pitchFamily="18" charset="0"/>
+                          </a:rPr>
+                        </m:ctrlPr>
+                      </m:sSupPr>
+                      <m:e>
+                        <m:r>
+                          <a:rPr lang="en-US" i="1" dirty="0">
+                            <a:latin typeface="Cambria Math" panose="02040503050406030204" pitchFamily="18" charset="0"/>
+                          </a:rPr>
+                          <m:t>𝟎</m:t>
+                        </m:r>
+                      </m:e>
+                      <m:sup>
+                        <m:r>
+                          <a:rPr lang="en-US" b="1" i="1" dirty="0" smtClean="0">
+                            <a:latin typeface="Cambria Math" panose="02040503050406030204" pitchFamily="18" charset="0"/>
+                          </a:rPr>
+                          <m:t>𝟓</m:t>
+                        </m:r>
+                      </m:sup>
+                    </m:sSup>
+                    <m:r>
+                      <a:rPr lang="en-US" i="1" dirty="0">
+                        <a:latin typeface="Cambria Math" panose="02040503050406030204" pitchFamily="18" charset="0"/>
+                      </a:rPr>
+                      <m:t>)</m:t>
+                    </m:r>
+                  </m:oMath>
+                </a14:m>
+                <a:endParaRPr lang="en-US" dirty="0"/>
+              </a:p>
+              <a:p>
+                <a:pPr marL="342900" indent="-342900">
+                  <a:buFont typeface="Arial" panose="020B0604020202020204" pitchFamily="34" charset="0"/>
+                  <a:buChar char="•"/>
+                </a:pPr>
+                <a:r>
+                  <a:rPr lang="ru-RU" dirty="0"/>
+                  <a:t>Дано количество графов </a:t>
+                </a:r>
+                <a:r>
+                  <a:rPr lang="en-US" dirty="0"/>
+                  <a:t>g </a:t>
+                </a:r>
+                <a14:m>
+                  <m:oMath xmlns:m="http://schemas.openxmlformats.org/officeDocument/2006/math">
+                    <m:r>
+                      <a:rPr lang="en-US" i="1" dirty="0">
+                        <a:latin typeface="Cambria Math" panose="02040503050406030204" pitchFamily="18" charset="0"/>
+                      </a:rPr>
+                      <m:t>(</m:t>
+                    </m:r>
+                    <m:r>
+                      <a:rPr lang="en-US" i="1" dirty="0">
+                        <a:latin typeface="Cambria Math" panose="02040503050406030204" pitchFamily="18" charset="0"/>
+                      </a:rPr>
+                      <m:t>𝟎</m:t>
+                    </m:r>
+                    <m:r>
+                      <a:rPr lang="en-US" i="1" dirty="0">
+                        <a:latin typeface="Cambria Math" panose="02040503050406030204" pitchFamily="18" charset="0"/>
+                      </a:rPr>
+                      <m:t> ≤</m:t>
+                    </m:r>
+                    <m:r>
+                      <a:rPr lang="en-US" b="1" i="1" dirty="0" smtClean="0">
+                        <a:latin typeface="Cambria Math" panose="02040503050406030204" pitchFamily="18" charset="0"/>
+                      </a:rPr>
+                      <m:t>𝒈</m:t>
+                    </m:r>
+                    <m:r>
+                      <a:rPr lang="en-US" i="1" dirty="0">
+                        <a:latin typeface="Cambria Math" panose="02040503050406030204" pitchFamily="18" charset="0"/>
+                      </a:rPr>
+                      <m:t> ≤ </m:t>
+                    </m:r>
+                    <m:r>
+                      <a:rPr lang="en-US" i="1" dirty="0">
+                        <a:latin typeface="Cambria Math" panose="02040503050406030204" pitchFamily="18" charset="0"/>
+                      </a:rPr>
+                      <m:t>𝟏𝟎</m:t>
+                    </m:r>
+                    <m:r>
+                      <a:rPr lang="en-US" i="1" dirty="0">
+                        <a:latin typeface="Cambria Math" panose="02040503050406030204" pitchFamily="18" charset="0"/>
+                      </a:rPr>
+                      <m:t>)</m:t>
+                    </m:r>
+                  </m:oMath>
+                </a14:m>
+                <a:endParaRPr lang="en-US" dirty="0"/>
+              </a:p>
+              <a:p>
+                <a:pPr marL="342900" indent="-342900">
+                  <a:buFont typeface="Arial" panose="020B0604020202020204" pitchFamily="34" charset="0"/>
+                  <a:buChar char="•"/>
+                </a:pPr>
+                <a:endParaRPr lang="en-US" dirty="0"/>
+              </a:p>
+            </p:txBody>
+          </p:sp>
+        </mc:Choice>
+        <mc:Fallback>
+          <p:sp>
+            <p:nvSpPr>
+              <p:cNvPr id="3" name="Объект 2"/>
+              <p:cNvSpPr>
+                <a:spLocks noGrp="1" noRot="1" noChangeAspect="1" noMove="1" noResize="1" noEditPoints="1" noAdjustHandles="1" noChangeArrowheads="1" noChangeShapeType="1" noTextEdit="1"/>
+              </p:cNvSpPr>
+              <p:nvPr>
+                <p:ph idx="1"/>
+              </p:nvPr>
+            </p:nvSpPr>
+            <p:spPr>
+              <a:blipFill>
+                <a:blip r:embed="rId2"/>
+                <a:stretch>
+                  <a:fillRect l="-800" t="-697"/>
+                </a:stretch>
+              </a:blipFill>
+            </p:spPr>
+            <p:txBody>
+              <a:bodyPr/>
+              <a:lstStyle/>
+              <a:p>
+                <a:r>
+                  <a:rPr lang="en-US">
+                    <a:noFill/>
+                  </a:rPr>
+                  <a:t> </a:t>
+                </a:r>
+              </a:p>
+            </p:txBody>
+          </p:sp>
+        </mc:Fallback>
+      </mc:AlternateContent>
+    </p:spTree>
+    <p:extLst>
+      <p:ext uri="{BB962C8B-B14F-4D97-AF65-F5344CB8AC3E}">
+        <p14:creationId xmlns:p14="http://schemas.microsoft.com/office/powerpoint/2010/main" val="892913279"/>
+      </p:ext>
+    </p:extLst>
+  </p:cSld>
+  <p:clrMapOvr>
+    <a:masterClrMapping/>
+  </p:clrMapOvr>
+</p:sld>
+</file>
+
+<file path=ppt/slides/slide4.xml><?xml version="1.0" encoding="utf-8"?>
+<p:sld xmlns:a="http://schemas.openxmlformats.org/drawingml/2006/main" xmlns:r="http://schemas.openxmlformats.org/officeDocument/2006/relationships" xmlns:p="http://schemas.openxmlformats.org/presentationml/2006/main">
+  <p:cSld>
+    <p:spTree>
+      <p:nvGrpSpPr>
+        <p:cNvPr id="1" name=""/>
+        <p:cNvGrpSpPr/>
+        <p:nvPr/>
+      </p:nvGrpSpPr>
+      <p:grpSpPr>
+        <a:xfrm>
+          <a:off x="0" y="0"/>
+          <a:ext cx="0" cy="0"/>
+          <a:chOff x="0" y="0"/>
+          <a:chExt cx="0" cy="0"/>
+        </a:xfrm>
+      </p:grpSpPr>
+      <p:sp>
+        <p:nvSpPr>
+          <p:cNvPr id="2" name="Заголовок 1"/>
+          <p:cNvSpPr>
+            <a:spLocks noGrp="1"/>
+          </p:cNvSpPr>
+          <p:nvPr>
+            <p:ph type="title"/>
+          </p:nvPr>
+        </p:nvSpPr>
         <p:spPr/>
         <p:txBody>
           <a:bodyPr/>
           <a:lstStyle/>
           <a:p>
             <a:r>
-              <a:rPr lang="ru-RU" dirty="0" smtClean="0"/>
+              <a:rPr lang="ru-RU" dirty="0"/>
               <a:t>Задача №1</a:t>
             </a:r>
             <a:endParaRPr lang="en-US" dirty="0"/>
           </a:p>
         </p:txBody>
       </p:sp>
-      <mc:AlternateContent xmlns:mc="http://schemas.openxmlformats.org/markup-compatibility/2006" xmlns:a14="http://schemas.microsoft.com/office/drawing/2010/main">
-        <mc:Choice Requires="a14">
+      <mc:AlternateContent xmlns:mc="http://schemas.openxmlformats.org/markup-compatibility/2006">
+        <mc:Choice xmlns:a14="http://schemas.microsoft.com/office/drawing/2010/main" Requires="a14">
           <p:sp>
             <p:nvSpPr>
               <p:cNvPr id="3" name="Объект 2"/>
@@ -6704,34 +7602,30 @@
               <a:p>
                 <a:pPr algn="ctr"/>
                 <a:r>
-                  <a:rPr lang="ru-RU" i="1" dirty="0" smtClean="0"/>
+                  <a:rPr lang="ru-RU" i="1" dirty="0"/>
                   <a:t>&lt;Условие задачи&gt;</a:t>
                 </a:r>
                 <a:r>
-                  <a:rPr lang="en-US" dirty="0" smtClean="0"/>
+                  <a:rPr lang="en-US" dirty="0"/>
                   <a:t> </a:t>
                 </a:r>
               </a:p>
               <a:p>
                 <a:pPr algn="ctr"/>
                 <a:r>
-                  <a:rPr lang="ru-RU" i="1" dirty="0" smtClean="0"/>
+                  <a:rPr lang="ru-RU" i="1" dirty="0"/>
                   <a:t>Исходные данные</a:t>
                 </a:r>
                 <a:r>
-                  <a:rPr lang="en-US" dirty="0" smtClean="0"/>
+                  <a:rPr lang="en-US" dirty="0"/>
                   <a:t> </a:t>
                 </a:r>
               </a:p>
               <a:p>
                 <a:pPr algn="ctr"/>
                 <a:r>
-                  <a:rPr lang="ru-RU" dirty="0" smtClean="0"/>
-                  <a:t>Дано </a:t>
-                </a:r>
-                <a:r>
                   <a:rPr lang="ru-RU" dirty="0"/>
-                  <a:t>число </a:t>
+                  <a:t>Дано число </a:t>
                 </a:r>
                 <a14:m>
                   <m:oMath xmlns:m="http://schemas.openxmlformats.org/officeDocument/2006/math">
@@ -6781,7 +7675,7 @@
                       <m:sSupPr>
                         <m:ctrlPr>
                           <a:rPr lang="en-US" i="1">
-                            <a:latin typeface="Cambria Math"/>
+                            <a:latin typeface="Cambria Math" panose="02040503050406030204" pitchFamily="18" charset="0"/>
                           </a:rPr>
                         </m:ctrlPr>
                       </m:sSupPr>
@@ -6862,7 +7756,7 @@
                       <m:sSupPr>
                         <m:ctrlPr>
                           <a:rPr lang="en-US" i="1">
-                            <a:latin typeface="Cambria Math"/>
+                            <a:latin typeface="Cambria Math" panose="02040503050406030204" pitchFamily="18" charset="0"/>
                           </a:rPr>
                         </m:ctrlPr>
                       </m:sSupPr>
@@ -6915,7 +7809,7 @@
                       <m:sSubPr>
                         <m:ctrlPr>
                           <a:rPr lang="en-US" i="1">
-                            <a:latin typeface="Cambria Math"/>
+                            <a:latin typeface="Cambria Math" panose="02040503050406030204" pitchFamily="18" charset="0"/>
                           </a:rPr>
                         </m:ctrlPr>
                       </m:sSubPr>
@@ -6940,7 +7834,7 @@
                       <m:sSubPr>
                         <m:ctrlPr>
                           <a:rPr lang="en-US" i="1">
-                            <a:latin typeface="Cambria Math"/>
+                            <a:latin typeface="Cambria Math" panose="02040503050406030204" pitchFamily="18" charset="0"/>
                           </a:rPr>
                         </m:ctrlPr>
                       </m:sSubPr>
@@ -6965,82 +7859,18 @@
                 </a14:m>
                 <a:r>
                   <a:rPr lang="ru-RU" dirty="0"/>
-                  <a:t>,  каждое из которых может быть по модулю не больше 1000, и </a:t>
-                </a:r>
-                <a14:m>
-                  <m:oMath xmlns:m="http://schemas.openxmlformats.org/officeDocument/2006/math">
-                    <m:sSub>
-                      <m:sSubPr>
-                        <m:ctrlPr>
-                          <a:rPr lang="en-US" i="1">
-                            <a:latin typeface="Cambria Math"/>
-                          </a:rPr>
-                        </m:ctrlPr>
-                      </m:sSubPr>
-                      <m:e>
-                        <m:r>
-                          <a:rPr lang="ru-RU" i="1">
-                            <a:latin typeface="Cambria Math"/>
-                          </a:rPr>
-                          <m:t>𝒃</m:t>
-                        </m:r>
-                      </m:e>
-                      <m:sub>
-                        <m:r>
-                          <a:rPr lang="ru-RU" i="1">
-                            <a:latin typeface="Cambria Math"/>
-                          </a:rPr>
-                          <m:t>𝒊</m:t>
-                        </m:r>
-                      </m:sub>
-                    </m:sSub>
-                    <m:r>
-                      <a:rPr lang="ru-RU" i="1">
-                        <a:latin typeface="Cambria Math"/>
-                      </a:rPr>
-                      <m:t>≥</m:t>
-                    </m:r>
-                    <m:sSub>
-                      <m:sSubPr>
-                        <m:ctrlPr>
-                          <a:rPr lang="en-US" i="1">
-                            <a:latin typeface="Cambria Math"/>
-                          </a:rPr>
-                        </m:ctrlPr>
-                      </m:sSubPr>
-                      <m:e>
-                        <m:r>
-                          <a:rPr lang="ru-RU" i="1">
-                            <a:latin typeface="Cambria Math"/>
-                          </a:rPr>
-                          <m:t>𝒂</m:t>
-                        </m:r>
-                      </m:e>
-                      <m:sub>
-                        <m:r>
-                          <a:rPr lang="ru-RU" i="1">
-                            <a:latin typeface="Cambria Math"/>
-                          </a:rPr>
-                          <m:t>𝒊</m:t>
-                        </m:r>
-                      </m:sub>
-                    </m:sSub>
-                  </m:oMath>
-                </a14:m>
-                <a:r>
-                  <a:rPr lang="ru-RU" dirty="0"/>
-                  <a:t>.</a:t>
+                  <a:t>,  каждое из которых может быть по модулю не больше 1000.</a:t>
                 </a:r>
                 <a:endParaRPr lang="en-US" dirty="0"/>
               </a:p>
               <a:p>
                 <a:pPr algn="ctr"/>
                 <a:r>
-                  <a:rPr lang="ru-RU" i="1" dirty="0" smtClean="0"/>
+                  <a:rPr lang="ru-RU" i="1" dirty="0"/>
                   <a:t>&lt;Описание результата&gt;</a:t>
                 </a:r>
                 <a:r>
-                  <a:rPr lang="en-US" dirty="0" smtClean="0"/>
+                  <a:rPr lang="en-US" dirty="0"/>
                   <a:t> </a:t>
                 </a:r>
               </a:p>
@@ -7051,7 +7881,7 @@
             </p:txBody>
           </p:sp>
         </mc:Choice>
-        <mc:Fallback xmlns="">
+        <mc:Fallback>
           <p:sp>
             <p:nvSpPr>
               <p:cNvPr id="3" name="Объект 2"/>
@@ -7063,10 +7893,10 @@
               </p:nvPr>
             </p:nvSpPr>
             <p:spPr>
-              <a:blipFill rotWithShape="1">
+              <a:blipFill>
                 <a:blip r:embed="rId2"/>
                 <a:stretch>
-                  <a:fillRect l="-720" t="-558" r="-400"/>
+                  <a:fillRect l="-720" t="-697" r="-320"/>
                 </a:stretch>
               </a:blipFill>
             </p:spPr>
@@ -7095,17 +7925,10 @@
   <p:clrMapOvr>
     <a:masterClrMapping/>
   </p:clrMapOvr>
-  <p:timing>
-    <p:tnLst>
-      <p:par>
-        <p:cTn id="1" dur="indefinite" restart="never" nodeType="tmRoot"/>
-      </p:par>
-    </p:tnLst>
-  </p:timing>
 </p:sld>
 </file>
 
-<file path=ppt/slides/slide4.xml><?xml version="1.0" encoding="utf-8"?>
+<file path=ppt/slides/slide5.xml><?xml version="1.0" encoding="utf-8"?>
 <p:sld xmlns:a="http://schemas.openxmlformats.org/drawingml/2006/main" xmlns:r="http://schemas.openxmlformats.org/officeDocument/2006/relationships" xmlns:p="http://schemas.openxmlformats.org/presentationml/2006/main">
   <p:cSld>
     <p:spTree>
@@ -7140,14 +7963,13 @@
           <a:lstStyle/>
           <a:p>
             <a:r>
-              <a:rPr lang="ru-RU" sz="3200" dirty="0" smtClean="0"/>
+              <a:rPr lang="ru-RU" sz="3200" dirty="0"/>
               <a:t>Задача №</a:t>
             </a:r>
             <a:r>
-              <a:rPr lang="en-US" sz="3200" dirty="0" smtClean="0"/>
+              <a:rPr lang="en-US" sz="3200" dirty="0"/>
               <a:t>2</a:t>
             </a:r>
-            <a:endParaRPr lang="en-US" sz="3200" dirty="0"/>
           </a:p>
         </p:txBody>
       </p:sp>
@@ -7179,10 +8001,6 @@
                   <a:rPr lang="en-US" dirty="0"/>
                   <a:t> </a:t>
                 </a:r>
-                <a:r>
-                  <a:rPr lang="ru-RU" dirty="0"/>
-                  <a:t/>
-                </a:r>
                 <a:br>
                   <a:rPr lang="ru-RU" dirty="0"/>
                 </a:br>
@@ -7300,7 +8118,7 @@
                       <m:sSupPr>
                         <m:ctrlPr>
                           <a:rPr lang="en-US" i="1">
-                            <a:latin typeface="Cambria Math"/>
+                            <a:latin typeface="Cambria Math" panose="02040503050406030204" pitchFamily="18" charset="0"/>
                           </a:rPr>
                         </m:ctrlPr>
                       </m:sSupPr>
@@ -7361,7 +8179,7 @@
                       <m:sSupPr>
                         <m:ctrlPr>
                           <a:rPr lang="en-US" i="1">
-                            <a:latin typeface="Cambria Math"/>
+                            <a:latin typeface="Cambria Math" panose="02040503050406030204" pitchFamily="18" charset="0"/>
                           </a:rPr>
                         </m:ctrlPr>
                       </m:sSupPr>
@@ -7442,7 +8260,7 @@
                       <m:sSubPr>
                         <m:ctrlPr>
                           <a:rPr lang="en-US" i="1">
-                            <a:latin typeface="Cambria Math"/>
+                            <a:latin typeface="Cambria Math" panose="02040503050406030204" pitchFamily="18" charset="0"/>
                           </a:rPr>
                         </m:ctrlPr>
                       </m:sSubPr>
@@ -7473,7 +8291,7 @@
                       <m:sSubPr>
                         <m:ctrlPr>
                           <a:rPr lang="en-US" i="1">
-                            <a:latin typeface="Cambria Math"/>
+                            <a:latin typeface="Cambria Math" panose="02040503050406030204" pitchFamily="18" charset="0"/>
                           </a:rPr>
                         </m:ctrlPr>
                       </m:sSubPr>
@@ -7524,7 +8342,7 @@
                       <m:sSubPr>
                         <m:ctrlPr>
                           <a:rPr lang="en-US" i="1">
-                            <a:latin typeface="Cambria Math"/>
+                            <a:latin typeface="Cambria Math" panose="02040503050406030204" pitchFamily="18" charset="0"/>
                           </a:rPr>
                         </m:ctrlPr>
                       </m:sSubPr>
@@ -7555,7 +8373,7 @@
                       <m:sSubPr>
                         <m:ctrlPr>
                           <a:rPr lang="en-US" i="1">
-                            <a:latin typeface="Cambria Math"/>
+                            <a:latin typeface="Cambria Math" panose="02040503050406030204" pitchFamily="18" charset="0"/>
                           </a:rPr>
                         </m:ctrlPr>
                       </m:sSubPr>
@@ -7606,7 +8424,7 @@
                       <m:sSubPr>
                         <m:ctrlPr>
                           <a:rPr lang="en-US" i="1">
-                            <a:latin typeface="Cambria Math"/>
+                            <a:latin typeface="Cambria Math" panose="02040503050406030204" pitchFamily="18" charset="0"/>
                           </a:rPr>
                         </m:ctrlPr>
                       </m:sSubPr>
@@ -7639,7 +8457,7 @@
                       <m:sSubPr>
                         <m:ctrlPr>
                           <a:rPr lang="en-US" i="1">
-                            <a:latin typeface="Cambria Math"/>
+                            <a:latin typeface="Cambria Math" panose="02040503050406030204" pitchFamily="18" charset="0"/>
                           </a:rPr>
                         </m:ctrlPr>
                       </m:sSubPr>
@@ -7726,17 +8544,10 @@
   <p:clrMapOvr>
     <a:masterClrMapping/>
   </p:clrMapOvr>
-  <p:timing>
-    <p:tnLst>
-      <p:par>
-        <p:cTn id="1" dur="indefinite" restart="never" nodeType="tmRoot"/>
-      </p:par>
-    </p:tnLst>
-  </p:timing>
 </p:sld>
 </file>
 
-<file path=ppt/slides/slide5.xml><?xml version="1.0" encoding="utf-8"?>
+<file path=ppt/slides/slide6.xml><?xml version="1.0" encoding="utf-8"?>
 <p:sld xmlns:a="http://schemas.openxmlformats.org/drawingml/2006/main" xmlns:r="http://schemas.openxmlformats.org/officeDocument/2006/relationships" xmlns:p="http://schemas.openxmlformats.org/presentationml/2006/main">
   <p:cSld>
     <p:spTree>
@@ -7771,14 +8582,13 @@
           <a:lstStyle/>
           <a:p>
             <a:r>
-              <a:rPr lang="ru-RU" sz="3200" dirty="0" smtClean="0"/>
+              <a:rPr lang="ru-RU" sz="3200" dirty="0"/>
               <a:t>Задача №</a:t>
             </a:r>
             <a:r>
-              <a:rPr lang="en-US" sz="3200" dirty="0" smtClean="0"/>
+              <a:rPr lang="en-US" sz="3200" dirty="0"/>
               <a:t>3</a:t>
             </a:r>
-            <a:endParaRPr lang="en-US" sz="3200" dirty="0"/>
           </a:p>
         </p:txBody>
       </p:sp>
@@ -7807,10 +8617,6 @@
                 <a:r>
                   <a:rPr lang="en-US" dirty="0"/>
                   <a:t> </a:t>
-                </a:r>
-                <a:r>
-                  <a:rPr lang="ru-RU" dirty="0"/>
-                  <a:t/>
                 </a:r>
                 <a:br>
                   <a:rPr lang="ru-RU" dirty="0"/>
@@ -7940,17 +8746,10 @@
   <p:clrMapOvr>
     <a:masterClrMapping/>
   </p:clrMapOvr>
-  <p:timing>
-    <p:tnLst>
-      <p:par>
-        <p:cTn id="1" dur="indefinite" restart="never" nodeType="tmRoot"/>
-      </p:par>
-    </p:tnLst>
-  </p:timing>
 </p:sld>
 </file>
 
-<file path=ppt/slides/slide6.xml><?xml version="1.0" encoding="utf-8"?>
+<file path=ppt/slides/slide7.xml><?xml version="1.0" encoding="utf-8"?>
 <p:sld xmlns:a="http://schemas.openxmlformats.org/drawingml/2006/main" xmlns:r="http://schemas.openxmlformats.org/officeDocument/2006/relationships" xmlns:p="http://schemas.openxmlformats.org/presentationml/2006/main">
   <p:cSld>
     <p:spTree>
@@ -7990,7 +8789,7 @@
           <a:lstStyle/>
           <a:p>
             <a:r>
-              <a:rPr lang="ru-RU" sz="3200" dirty="0" smtClean="0"/>
+              <a:rPr lang="ru-RU" sz="3200" dirty="0"/>
               <a:t>Архитектура библиотеки</a:t>
             </a:r>
             <a:endParaRPr lang="en-US" sz="3200" dirty="0"/>
@@ -8036,120 +8835,6 @@
   <p:clrMapOvr>
     <a:masterClrMapping/>
   </p:clrMapOvr>
-  <p:timing>
-    <p:tnLst>
-      <p:par>
-        <p:cTn id="1" dur="indefinite" restart="never" nodeType="tmRoot"/>
-      </p:par>
-    </p:tnLst>
-  </p:timing>
-</p:sld>
-</file>
-
-<file path=ppt/slides/slide7.xml><?xml version="1.0" encoding="utf-8"?>
-<p:sld xmlns:a="http://schemas.openxmlformats.org/drawingml/2006/main" xmlns:r="http://schemas.openxmlformats.org/officeDocument/2006/relationships" xmlns:p="http://schemas.openxmlformats.org/presentationml/2006/main">
-  <p:cSld>
-    <p:spTree>
-      <p:nvGrpSpPr>
-        <p:cNvPr id="1" name=""/>
-        <p:cNvGrpSpPr/>
-        <p:nvPr/>
-      </p:nvGrpSpPr>
-      <p:grpSpPr>
-        <a:xfrm>
-          <a:off x="0" y="0"/>
-          <a:ext cx="0" cy="0"/>
-          <a:chOff x="0" y="0"/>
-          <a:chExt cx="0" cy="0"/>
-        </a:xfrm>
-      </p:grpSpPr>
-      <p:sp>
-        <p:nvSpPr>
-          <p:cNvPr id="2" name="Заголовок 1"/>
-          <p:cNvSpPr>
-            <a:spLocks noGrp="1"/>
-          </p:cNvSpPr>
-          <p:nvPr>
-            <p:ph type="title"/>
-          </p:nvPr>
-        </p:nvSpPr>
-        <p:spPr/>
-        <p:txBody>
-          <a:bodyPr>
-            <a:normAutofit/>
-          </a:bodyPr>
-          <a:lstStyle/>
-          <a:p>
-            <a:r>
-              <a:rPr lang="ru-RU" sz="3200" dirty="0" smtClean="0"/>
-              <a:t>Основные классы:</a:t>
-            </a:r>
-            <a:r>
-              <a:rPr lang="hy-AM" sz="3200" dirty="0"/>
-              <a:t/>
-            </a:r>
-            <a:br>
-              <a:rPr lang="hy-AM" sz="3200" dirty="0"/>
-            </a:br>
-            <a:r>
-              <a:rPr lang="en-US" sz="3200" dirty="0" smtClean="0"/>
-              <a:t>test</a:t>
-            </a:r>
-            <a:endParaRPr lang="en-US" sz="3200" dirty="0"/>
-          </a:p>
-        </p:txBody>
-      </p:sp>
-      <p:sp>
-        <p:nvSpPr>
-          <p:cNvPr id="3" name="Объект 2"/>
-          <p:cNvSpPr>
-            <a:spLocks noGrp="1"/>
-          </p:cNvSpPr>
-          <p:nvPr>
-            <p:ph idx="1"/>
-          </p:nvPr>
-        </p:nvSpPr>
-        <p:spPr/>
-        <p:txBody>
-          <a:bodyPr/>
-          <a:lstStyle/>
-          <a:p>
-            <a:r>
-              <a:rPr lang="ru-RU" sz="3600" dirty="0"/>
-              <a:t>Б</a:t>
-            </a:r>
-            <a:r>
-              <a:rPr lang="ru-RU" sz="3600" dirty="0" smtClean="0"/>
-              <a:t>азовый </a:t>
-            </a:r>
-            <a:r>
-              <a:rPr lang="ru-RU" sz="3600" dirty="0"/>
-              <a:t>абстрактный класс всей библиотеки. В нем содержится весь необходимый функционал, который наследуют остальные классы. Реализует шаблон проектирования Компоновщик. </a:t>
-            </a:r>
-            <a:endParaRPr lang="en-US" sz="3600" dirty="0"/>
-          </a:p>
-          <a:p>
-            <a:endParaRPr lang="en-US" dirty="0"/>
-          </a:p>
-        </p:txBody>
-      </p:sp>
-    </p:spTree>
-    <p:extLst>
-      <p:ext uri="{BB962C8B-B14F-4D97-AF65-F5344CB8AC3E}">
-        <p14:creationId xmlns:p14="http://schemas.microsoft.com/office/powerpoint/2010/main" val="2493791058"/>
-      </p:ext>
-    </p:extLst>
-  </p:cSld>
-  <p:clrMapOvr>
-    <a:masterClrMapping/>
-  </p:clrMapOvr>
-  <p:timing>
-    <p:tnLst>
-      <p:par>
-        <p:cTn id="1" dur="indefinite" restart="never" nodeType="tmRoot"/>
-      </p:par>
-    </p:tnLst>
-  </p:timing>
 </p:sld>
 </file>
 
@@ -8188,21 +8873,16 @@
           <a:lstStyle/>
           <a:p>
             <a:r>
-              <a:rPr lang="ru-RU" sz="3200" dirty="0" smtClean="0"/>
+              <a:rPr lang="ru-RU" sz="3200" dirty="0"/>
               <a:t>Основные классы:</a:t>
-            </a:r>
-            <a:r>
-              <a:rPr lang="hy-AM" sz="3200" dirty="0"/>
-              <a:t/>
             </a:r>
             <a:br>
               <a:rPr lang="hy-AM" sz="3200" dirty="0"/>
             </a:br>
             <a:r>
-              <a:rPr lang="en-US" sz="3200" dirty="0" err="1" smtClean="0"/>
-              <a:t>Compositetest</a:t>
-            </a:r>
-            <a:endParaRPr lang="en-US" sz="3200" dirty="0"/>
+              <a:rPr lang="en-US" sz="3200" dirty="0"/>
+              <a:t>test</a:t>
+            </a:r>
           </a:p>
         </p:txBody>
       </p:sp>
@@ -8218,58 +8898,30 @@
         </p:nvSpPr>
         <p:spPr/>
         <p:txBody>
-          <a:bodyPr>
-            <a:noAutofit/>
-          </a:bodyPr>
+          <a:bodyPr/>
           <a:lstStyle/>
           <a:p>
             <a:r>
-              <a:rPr lang="ru-RU" sz="2800" dirty="0" smtClean="0"/>
-              <a:t>Ещё </a:t>
-            </a:r>
-            <a:r>
-              <a:rPr lang="ru-RU" sz="2800" dirty="0" smtClean="0"/>
-              <a:t>один </a:t>
-            </a:r>
-            <a:r>
-              <a:rPr lang="ru-RU" sz="2800" dirty="0"/>
-              <a:t>класс, который реализует шаблон проектирования Компоновщик. Является совокупностью нескольких (может одного) тестов, и имеет тот же интерфейс, что и остальные тесты, что позволяет работать с группой тестов как с одним. Имеет функцию </a:t>
-            </a:r>
-            <a:r>
-              <a:rPr lang="en-US" sz="2800" dirty="0"/>
-              <a:t>Add</a:t>
-            </a:r>
-            <a:r>
-              <a:rPr lang="ru-RU" sz="2800" dirty="0"/>
-              <a:t>, которой нужно добавлять тест к остальному множеству. </a:t>
-            </a:r>
-            <a:br>
-              <a:rPr lang="ru-RU" sz="2800" dirty="0"/>
-            </a:br>
-            <a:endParaRPr lang="en-US" sz="2800" dirty="0"/>
-          </a:p>
-          <a:p>
-            <a:endParaRPr lang="en-US" sz="2800" dirty="0"/>
+              <a:rPr lang="ru-RU" sz="3600" dirty="0"/>
+              <a:t>Базовый абстрактный класс всей библиотеки. В нем содержится весь необходимый функционал, который наследуют остальные классы. Реализует шаблон проектирования Компоновщик. </a:t>
+            </a:r>
+            <a:endParaRPr lang="en-US" sz="3600" dirty="0"/>
+          </a:p>
+          <a:p>
+            <a:endParaRPr lang="en-US" dirty="0"/>
           </a:p>
         </p:txBody>
       </p:sp>
     </p:spTree>
     <p:extLst>
       <p:ext uri="{BB962C8B-B14F-4D97-AF65-F5344CB8AC3E}">
-        <p14:creationId xmlns:p14="http://schemas.microsoft.com/office/powerpoint/2010/main" val="3169918583"/>
+        <p14:creationId xmlns:p14="http://schemas.microsoft.com/office/powerpoint/2010/main" val="2493791058"/>
       </p:ext>
     </p:extLst>
   </p:cSld>
   <p:clrMapOvr>
     <a:masterClrMapping/>
   </p:clrMapOvr>
-  <p:timing>
-    <p:tnLst>
-      <p:par>
-        <p:cTn id="1" dur="indefinite" restart="never" nodeType="tmRoot"/>
-      </p:par>
-    </p:tnLst>
-  </p:timing>
 </p:sld>
 </file>
 
@@ -8308,23 +8960,15 @@
           <a:lstStyle/>
           <a:p>
             <a:r>
-              <a:rPr lang="ru-RU" sz="3200" dirty="0" smtClean="0"/>
+              <a:rPr lang="ru-RU" sz="3200" dirty="0"/>
               <a:t>Основные классы:</a:t>
-            </a:r>
-            <a:r>
-              <a:rPr lang="hy-AM" sz="3200" dirty="0"/>
-              <a:t/>
             </a:r>
             <a:br>
               <a:rPr lang="hy-AM" sz="3200" dirty="0"/>
             </a:br>
             <a:r>
-              <a:rPr lang="en-US" sz="3200" dirty="0" err="1" smtClean="0"/>
-              <a:t>primitivetest</a:t>
-            </a:r>
-            <a:r>
-              <a:rPr lang="en-US" sz="3200" dirty="0" smtClean="0"/>
-              <a:t>&lt;T&gt;</a:t>
+              <a:rPr lang="en-US" sz="3200" dirty="0" err="1"/>
+              <a:t>Compositetest</a:t>
             </a:r>
             <a:endParaRPr lang="en-US" sz="3200" dirty="0"/>
           </a:p>
@@ -8342,134 +8986,43 @@
         </p:nvSpPr>
         <p:spPr/>
         <p:txBody>
-          <a:bodyPr/>
+          <a:bodyPr>
+            <a:noAutofit/>
+          </a:bodyPr>
           <a:lstStyle/>
           <a:p>
             <a:r>
-              <a:rPr lang="ru-RU" dirty="0"/>
-              <a:t>Описывает примитивные типы и является базовым классом  для </a:t>
-            </a:r>
-            <a:r>
-              <a:rPr lang="en-US" dirty="0" err="1"/>
-              <a:t>ConstPrimitiveTest</a:t>
-            </a:r>
-            <a:r>
-              <a:rPr lang="ru-RU" dirty="0"/>
-              <a:t>&lt;</a:t>
-            </a:r>
-            <a:r>
-              <a:rPr lang="en-US" dirty="0"/>
-              <a:t>T</a:t>
-            </a:r>
-            <a:r>
-              <a:rPr lang="ru-RU" dirty="0"/>
-              <a:t>&gt; и </a:t>
-            </a:r>
-            <a:r>
-              <a:rPr lang="en-US" dirty="0" err="1"/>
-              <a:t>RangePrimitiveTest</a:t>
-            </a:r>
-            <a:r>
-              <a:rPr lang="ru-RU" dirty="0"/>
-              <a:t>&lt;</a:t>
-            </a:r>
-            <a:r>
-              <a:rPr lang="en-US" dirty="0"/>
-              <a:t>T</a:t>
-            </a:r>
-            <a:r>
-              <a:rPr lang="ru-RU" dirty="0"/>
-              <a:t>&gt;. </a:t>
-            </a:r>
-            <a:endParaRPr lang="ru-RU" dirty="0" smtClean="0"/>
-          </a:p>
-          <a:p>
-            <a:endParaRPr lang="en-US" dirty="0"/>
-          </a:p>
-          <a:p>
-            <a:r>
-              <a:rPr lang="en-US" dirty="0" err="1"/>
-              <a:t>ConstPrimitiveTest</a:t>
-            </a:r>
-            <a:r>
-              <a:rPr lang="en-US" dirty="0"/>
-              <a:t> </a:t>
-            </a:r>
-            <a:r>
-              <a:rPr lang="hy-AM" dirty="0"/>
-              <a:t>&lt;</a:t>
-            </a:r>
-            <a:r>
-              <a:rPr lang="en-US" dirty="0"/>
-              <a:t>T</a:t>
-            </a:r>
-            <a:r>
-              <a:rPr lang="ru-RU" dirty="0"/>
-              <a:t>&gt; принимает один объект типа </a:t>
-            </a:r>
-            <a:r>
-              <a:rPr lang="en-US" dirty="0"/>
-              <a:t>T</a:t>
-            </a:r>
-            <a:r>
-              <a:rPr lang="ru-RU" dirty="0"/>
-              <a:t>. Используется для того, чтобы определять константные числа. </a:t>
-            </a:r>
-            <a:endParaRPr lang="ru-RU" dirty="0" smtClean="0"/>
-          </a:p>
-          <a:p>
-            <a:endParaRPr lang="ru-RU" dirty="0" smtClean="0"/>
-          </a:p>
-          <a:p>
-            <a:r>
-              <a:rPr lang="en-US" dirty="0" err="1"/>
-              <a:t>RangePrimitiveTest</a:t>
-            </a:r>
-            <a:r>
-              <a:rPr lang="hy-AM" dirty="0"/>
-              <a:t> &lt;</a:t>
-            </a:r>
-            <a:r>
-              <a:rPr lang="en-US" dirty="0"/>
-              <a:t>T&gt; </a:t>
-            </a:r>
-            <a:r>
-              <a:rPr lang="ru-RU" dirty="0"/>
-              <a:t>принимает один </a:t>
-            </a:r>
-            <a:r>
-              <a:rPr lang="ru-RU" dirty="0" smtClean="0"/>
-              <a:t>диапазон. При </a:t>
-            </a:r>
-            <a:r>
-              <a:rPr lang="ru-RU" dirty="0"/>
-              <a:t>этом можно получить довольно сложную структуру </a:t>
-            </a:r>
-            <a:r>
-              <a:rPr lang="ru-RU" dirty="0" smtClean="0"/>
-              <a:t>теста.</a:t>
-            </a:r>
-            <a:endParaRPr lang="en-US" dirty="0"/>
+              <a:rPr lang="ru-RU" sz="2800" dirty="0"/>
+              <a:t>Ещё один класс, который реализует шаблон проектирования Компоновщик. Является совокупностью нескольких (может одного) тестов, и имеет тот же интерфейс, что и остальные тесты, что позволяет работать с группой тестов как с одним. Имеет функцию </a:t>
+            </a:r>
+            <a:r>
+              <a:rPr lang="en-US" sz="2800" dirty="0"/>
+              <a:t>Add</a:t>
+            </a:r>
+            <a:r>
+              <a:rPr lang="ru-RU" sz="2800" dirty="0"/>
+              <a:t>, которой нужно добавлять тест к остальному множеству. </a:t>
+            </a:r>
+            <a:br>
+              <a:rPr lang="ru-RU" sz="2800" dirty="0"/>
+            </a:br>
+            <a:endParaRPr lang="en-US" sz="2800" dirty="0"/>
+          </a:p>
+          <a:p>
+            <a:endParaRPr lang="en-US" sz="2800" dirty="0"/>
           </a:p>
         </p:txBody>
       </p:sp>
     </p:spTree>
     <p:extLst>
       <p:ext uri="{BB962C8B-B14F-4D97-AF65-F5344CB8AC3E}">
-        <p14:creationId xmlns:p14="http://schemas.microsoft.com/office/powerpoint/2010/main" val="3625802255"/>
+        <p14:creationId xmlns:p14="http://schemas.microsoft.com/office/powerpoint/2010/main" val="3169918583"/>
       </p:ext>
     </p:extLst>
   </p:cSld>
   <p:clrMapOvr>
     <a:masterClrMapping/>
   </p:clrMapOvr>
-  <p:timing>
-    <p:tnLst>
-      <p:par>
-        <p:cTn id="1" dur="indefinite" restart="never" nodeType="tmRoot"/>
-      </p:par>
-    </p:tnLst>
-  </p:timing>
 </p:sld>
 </file>
 
